--- a/leetcode-he-ji/LeetCode文章封面及文章配图.pptx
+++ b/leetcode-he-ji/LeetCode文章封面及文章配图.pptx
@@ -6410,1756 +6410,1777 @@
           <a:chExt cx="0" cy="0"/>
         </a:xfrm>
       </p:grpSpPr>
-      <p:sp>
-        <p:nvSpPr>
-          <p:cNvPr id="4" name="矩形 3">
+      <p:grpSp>
+        <p:nvGrpSpPr>
+          <p:cNvPr id="11" name="组合 10">
             <a:extLst>
               <a:ext uri="{FF2B5EF4-FFF2-40B4-BE49-F238E27FC236}">
-                <a16:creationId xmlns:a16="http://schemas.microsoft.com/office/drawing/2014/main" id="{6E6FD733-17D0-4538-901B-9E045032A069}"/>
+                <a16:creationId xmlns:a16="http://schemas.microsoft.com/office/drawing/2014/main" id="{2EB0DBBA-26E1-46FC-8984-05700CDA9719}"/>
               </a:ext>
             </a:extLst>
           </p:cNvPr>
-          <p:cNvSpPr/>
+          <p:cNvGrpSpPr/>
           <p:nvPr/>
-        </p:nvSpPr>
-        <p:spPr>
+        </p:nvGrpSpPr>
+        <p:grpSpPr>
           <a:xfrm>
-            <a:off x="11649637" y="3428998"/>
-            <a:ext cx="636494" cy="582705"/>
+            <a:off x="-208425" y="2538521"/>
+            <a:ext cx="12494556" cy="2055886"/>
+            <a:chOff x="-208425" y="2538521"/>
+            <a:chExt cx="12494556" cy="2055886"/>
           </a:xfrm>
-          <a:prstGeom prst="rect">
-            <a:avLst/>
-          </a:prstGeom>
-          <a:solidFill>
-            <a:schemeClr val="accent1"/>
-          </a:solidFill>
-          <a:ln>
+        </p:grpSpPr>
+        <p:sp>
+          <p:nvSpPr>
+            <p:cNvPr id="4" name="矩形 3">
+              <a:extLst>
+                <a:ext uri="{FF2B5EF4-FFF2-40B4-BE49-F238E27FC236}">
+                  <a16:creationId xmlns:a16="http://schemas.microsoft.com/office/drawing/2014/main" id="{6E6FD733-17D0-4538-901B-9E045032A069}"/>
+                </a:ext>
+              </a:extLst>
+            </p:cNvPr>
+            <p:cNvSpPr/>
+            <p:nvPr/>
+          </p:nvSpPr>
+          <p:spPr>
+            <a:xfrm>
+              <a:off x="11649637" y="3428998"/>
+              <a:ext cx="636494" cy="582705"/>
+            </a:xfrm>
+            <a:prstGeom prst="rect">
+              <a:avLst/>
+            </a:prstGeom>
             <a:solidFill>
+              <a:schemeClr val="accent1"/>
+            </a:solidFill>
+            <a:ln>
+              <a:solidFill>
+                <a:schemeClr val="accent1">
+                  <a:lumMod val="50000"/>
+                </a:schemeClr>
+              </a:solidFill>
+            </a:ln>
+          </p:spPr>
+          <p:style>
+            <a:lnRef idx="2">
               <a:schemeClr val="accent1">
-                <a:lumMod val="50000"/>
+                <a:shade val="50000"/>
               </a:schemeClr>
+            </a:lnRef>
+            <a:fillRef idx="1">
+              <a:schemeClr val="accent1"/>
+            </a:fillRef>
+            <a:effectRef idx="0">
+              <a:schemeClr val="accent1"/>
+            </a:effectRef>
+            <a:fontRef idx="minor">
+              <a:schemeClr val="lt1"/>
+            </a:fontRef>
+          </p:style>
+          <p:txBody>
+            <a:bodyPr rtlCol="0" anchor="ctr"/>
+            <a:lstStyle/>
+            <a:p>
+              <a:pPr algn="ctr"/>
+              <a:r>
+                <a:rPr lang="en-US" altLang="zh-CN" dirty="0"/>
+                <a:t>1</a:t>
+              </a:r>
+              <a:endParaRPr lang="zh-CN" altLang="en-US" dirty="0"/>
+            </a:p>
+          </p:txBody>
+        </p:sp>
+        <p:sp>
+          <p:nvSpPr>
+            <p:cNvPr id="13" name="矩形 12">
+              <a:extLst>
+                <a:ext uri="{FF2B5EF4-FFF2-40B4-BE49-F238E27FC236}">
+                  <a16:creationId xmlns:a16="http://schemas.microsoft.com/office/drawing/2014/main" id="{0B497143-7B22-4C63-8A46-56F9A7E400EB}"/>
+                </a:ext>
+              </a:extLst>
+            </p:cNvPr>
+            <p:cNvSpPr/>
+            <p:nvPr/>
+          </p:nvSpPr>
+          <p:spPr>
+            <a:xfrm>
+              <a:off x="6450109" y="3428998"/>
+              <a:ext cx="636494" cy="582705"/>
+            </a:xfrm>
+            <a:prstGeom prst="rect">
+              <a:avLst/>
+            </a:prstGeom>
+            <a:solidFill>
+              <a:schemeClr val="accent2"/>
             </a:solidFill>
-          </a:ln>
-        </p:spPr>
-        <p:style>
-          <a:lnRef idx="2">
-            <a:schemeClr val="accent1">
-              <a:shade val="50000"/>
-            </a:schemeClr>
-          </a:lnRef>
-          <a:fillRef idx="1">
-            <a:schemeClr val="accent1"/>
-          </a:fillRef>
-          <a:effectRef idx="0">
-            <a:schemeClr val="accent1"/>
-          </a:effectRef>
-          <a:fontRef idx="minor">
-            <a:schemeClr val="lt1"/>
-          </a:fontRef>
-        </p:style>
-        <p:txBody>
-          <a:bodyPr rtlCol="0" anchor="ctr"/>
-          <a:lstStyle/>
-          <a:p>
-            <a:pPr algn="ctr"/>
-            <a:r>
-              <a:rPr lang="en-US" altLang="zh-CN" dirty="0"/>
-              <a:t>1</a:t>
-            </a:r>
-            <a:endParaRPr lang="zh-CN" altLang="en-US" dirty="0"/>
-          </a:p>
-        </p:txBody>
-      </p:sp>
-      <p:sp>
-        <p:nvSpPr>
-          <p:cNvPr id="13" name="矩形 12">
-            <a:extLst>
-              <a:ext uri="{FF2B5EF4-FFF2-40B4-BE49-F238E27FC236}">
-                <a16:creationId xmlns:a16="http://schemas.microsoft.com/office/drawing/2014/main" id="{0B497143-7B22-4C63-8A46-56F9A7E400EB}"/>
-              </a:ext>
-            </a:extLst>
-          </p:cNvPr>
-          <p:cNvSpPr/>
-          <p:nvPr/>
-        </p:nvSpPr>
-        <p:spPr>
-          <a:xfrm>
-            <a:off x="6450109" y="3428998"/>
-            <a:ext cx="636494" cy="582705"/>
-          </a:xfrm>
-          <a:prstGeom prst="rect">
-            <a:avLst/>
-          </a:prstGeom>
-          <a:solidFill>
-            <a:schemeClr val="accent2"/>
-          </a:solidFill>
-          <a:ln>
+            <a:ln>
+              <a:solidFill>
+                <a:schemeClr val="accent1">
+                  <a:lumMod val="50000"/>
+                </a:schemeClr>
+              </a:solidFill>
+            </a:ln>
+          </p:spPr>
+          <p:style>
+            <a:lnRef idx="2">
+              <a:schemeClr val="accent1">
+                <a:shade val="50000"/>
+              </a:schemeClr>
+            </a:lnRef>
+            <a:fillRef idx="1">
+              <a:schemeClr val="accent1"/>
+            </a:fillRef>
+            <a:effectRef idx="0">
+              <a:schemeClr val="accent1"/>
+            </a:effectRef>
+            <a:fontRef idx="minor">
+              <a:schemeClr val="lt1"/>
+            </a:fontRef>
+          </p:style>
+          <p:txBody>
+            <a:bodyPr rtlCol="0" anchor="ctr"/>
+            <a:lstStyle/>
+            <a:p>
+              <a:pPr algn="ctr"/>
+              <a:r>
+                <a:rPr lang="en-US" altLang="zh-CN" dirty="0"/>
+                <a:t>8</a:t>
+              </a:r>
+              <a:endParaRPr lang="zh-CN" altLang="en-US" dirty="0"/>
+            </a:p>
+          </p:txBody>
+        </p:sp>
+        <p:sp>
+          <p:nvSpPr>
+            <p:cNvPr id="5" name="矩形 4">
+              <a:extLst>
+                <a:ext uri="{FF2B5EF4-FFF2-40B4-BE49-F238E27FC236}">
+                  <a16:creationId xmlns:a16="http://schemas.microsoft.com/office/drawing/2014/main" id="{485EFFA3-5373-4549-BEE4-582E042B4B07}"/>
+                </a:ext>
+              </a:extLst>
+            </p:cNvPr>
+            <p:cNvSpPr/>
+            <p:nvPr/>
+          </p:nvSpPr>
+          <p:spPr>
+            <a:xfrm>
+              <a:off x="10349755" y="3428998"/>
+              <a:ext cx="636494" cy="582705"/>
+            </a:xfrm>
+            <a:prstGeom prst="rect">
+              <a:avLst/>
+            </a:prstGeom>
             <a:solidFill>
+              <a:schemeClr val="accent1"/>
+            </a:solidFill>
+            <a:ln>
+              <a:solidFill>
+                <a:schemeClr val="accent1">
+                  <a:lumMod val="50000"/>
+                </a:schemeClr>
+              </a:solidFill>
+            </a:ln>
+          </p:spPr>
+          <p:style>
+            <a:lnRef idx="2">
               <a:schemeClr val="accent1">
-                <a:lumMod val="50000"/>
+                <a:shade val="50000"/>
               </a:schemeClr>
+            </a:lnRef>
+            <a:fillRef idx="1">
+              <a:schemeClr val="accent1"/>
+            </a:fillRef>
+            <a:effectRef idx="0">
+              <a:schemeClr val="accent1"/>
+            </a:effectRef>
+            <a:fontRef idx="minor">
+              <a:schemeClr val="lt1"/>
+            </a:fontRef>
+          </p:style>
+          <p:txBody>
+            <a:bodyPr rtlCol="0" anchor="ctr"/>
+            <a:lstStyle/>
+            <a:p>
+              <a:pPr algn="ctr"/>
+              <a:r>
+                <a:rPr lang="en-US" altLang="zh-CN" dirty="0"/>
+                <a:t>3</a:t>
+              </a:r>
+              <a:endParaRPr lang="zh-CN" altLang="en-US" dirty="0"/>
+            </a:p>
+          </p:txBody>
+        </p:sp>
+        <p:sp>
+          <p:nvSpPr>
+            <p:cNvPr id="6" name="矩形 5">
+              <a:extLst>
+                <a:ext uri="{FF2B5EF4-FFF2-40B4-BE49-F238E27FC236}">
+                  <a16:creationId xmlns:a16="http://schemas.microsoft.com/office/drawing/2014/main" id="{98A53E97-5C2F-4BA7-AA61-E213F113997A}"/>
+                </a:ext>
+              </a:extLst>
+            </p:cNvPr>
+            <p:cNvSpPr/>
+            <p:nvPr/>
+          </p:nvSpPr>
+          <p:spPr>
+            <a:xfrm>
+              <a:off x="7749991" y="3428998"/>
+              <a:ext cx="636494" cy="582705"/>
+            </a:xfrm>
+            <a:prstGeom prst="rect">
+              <a:avLst/>
+            </a:prstGeom>
+            <a:solidFill>
+              <a:schemeClr val="accent2"/>
             </a:solidFill>
-          </a:ln>
-        </p:spPr>
-        <p:style>
-          <a:lnRef idx="2">
-            <a:schemeClr val="accent1">
-              <a:shade val="50000"/>
-            </a:schemeClr>
-          </a:lnRef>
-          <a:fillRef idx="1">
-            <a:schemeClr val="accent1"/>
-          </a:fillRef>
-          <a:effectRef idx="0">
-            <a:schemeClr val="accent1"/>
-          </a:effectRef>
-          <a:fontRef idx="minor">
-            <a:schemeClr val="lt1"/>
-          </a:fontRef>
-        </p:style>
-        <p:txBody>
-          <a:bodyPr rtlCol="0" anchor="ctr"/>
-          <a:lstStyle/>
-          <a:p>
-            <a:pPr algn="ctr"/>
-            <a:r>
-              <a:rPr lang="en-US" altLang="zh-CN" dirty="0"/>
-              <a:t>8</a:t>
-            </a:r>
-            <a:endParaRPr lang="zh-CN" altLang="en-US" dirty="0"/>
-          </a:p>
-        </p:txBody>
-      </p:sp>
-      <p:sp>
-        <p:nvSpPr>
-          <p:cNvPr id="5" name="矩形 4">
-            <a:extLst>
-              <a:ext uri="{FF2B5EF4-FFF2-40B4-BE49-F238E27FC236}">
-                <a16:creationId xmlns:a16="http://schemas.microsoft.com/office/drawing/2014/main" id="{485EFFA3-5373-4549-BEE4-582E042B4B07}"/>
-              </a:ext>
-            </a:extLst>
-          </p:cNvPr>
-          <p:cNvSpPr/>
-          <p:nvPr/>
-        </p:nvSpPr>
-        <p:spPr>
-          <a:xfrm>
-            <a:off x="10349755" y="3428998"/>
-            <a:ext cx="636494" cy="582705"/>
-          </a:xfrm>
-          <a:prstGeom prst="rect">
-            <a:avLst/>
-          </a:prstGeom>
-          <a:solidFill>
-            <a:schemeClr val="accent1"/>
-          </a:solidFill>
-          <a:ln>
+            <a:ln>
+              <a:solidFill>
+                <a:schemeClr val="accent1">
+                  <a:lumMod val="50000"/>
+                </a:schemeClr>
+              </a:solidFill>
+            </a:ln>
+          </p:spPr>
+          <p:style>
+            <a:lnRef idx="2">
+              <a:schemeClr val="accent1">
+                <a:shade val="50000"/>
+              </a:schemeClr>
+            </a:lnRef>
+            <a:fillRef idx="1">
+              <a:schemeClr val="accent1"/>
+            </a:fillRef>
+            <a:effectRef idx="0">
+              <a:schemeClr val="accent1"/>
+            </a:effectRef>
+            <a:fontRef idx="minor">
+              <a:schemeClr val="lt1"/>
+            </a:fontRef>
+          </p:style>
+          <p:txBody>
+            <a:bodyPr rtlCol="0" anchor="ctr"/>
+            <a:lstStyle/>
+            <a:p>
+              <a:pPr algn="ctr"/>
+              <a:r>
+                <a:rPr lang="en-US" altLang="zh-CN" dirty="0"/>
+                <a:t>9</a:t>
+              </a:r>
+              <a:endParaRPr lang="zh-CN" altLang="en-US" dirty="0"/>
+            </a:p>
+          </p:txBody>
+        </p:sp>
+        <p:sp>
+          <p:nvSpPr>
+            <p:cNvPr id="7" name="矩形 6">
+              <a:extLst>
+                <a:ext uri="{FF2B5EF4-FFF2-40B4-BE49-F238E27FC236}">
+                  <a16:creationId xmlns:a16="http://schemas.microsoft.com/office/drawing/2014/main" id="{B65089C9-65BB-46B4-A60D-65695A769765}"/>
+                </a:ext>
+              </a:extLst>
+            </p:cNvPr>
+            <p:cNvSpPr/>
+            <p:nvPr/>
+          </p:nvSpPr>
+          <p:spPr>
+            <a:xfrm>
+              <a:off x="5150227" y="3428999"/>
+              <a:ext cx="636494" cy="582705"/>
+            </a:xfrm>
+            <a:prstGeom prst="rect">
+              <a:avLst/>
+            </a:prstGeom>
             <a:solidFill>
+              <a:schemeClr val="accent2"/>
+            </a:solidFill>
+            <a:ln>
+              <a:solidFill>
+                <a:schemeClr val="accent1">
+                  <a:lumMod val="50000"/>
+                </a:schemeClr>
+              </a:solidFill>
+            </a:ln>
+          </p:spPr>
+          <p:style>
+            <a:lnRef idx="2">
               <a:schemeClr val="accent1">
-                <a:lumMod val="50000"/>
+                <a:shade val="50000"/>
               </a:schemeClr>
+            </a:lnRef>
+            <a:fillRef idx="1">
+              <a:schemeClr val="accent1"/>
+            </a:fillRef>
+            <a:effectRef idx="0">
+              <a:schemeClr val="accent1"/>
+            </a:effectRef>
+            <a:fontRef idx="minor">
+              <a:schemeClr val="lt1"/>
+            </a:fontRef>
+          </p:style>
+          <p:txBody>
+            <a:bodyPr rtlCol="0" anchor="ctr"/>
+            <a:lstStyle/>
+            <a:p>
+              <a:pPr algn="ctr"/>
+              <a:r>
+                <a:rPr lang="en-US" altLang="zh-CN" dirty="0"/>
+                <a:t>4</a:t>
+              </a:r>
+              <a:endParaRPr lang="zh-CN" altLang="en-US" dirty="0"/>
+            </a:p>
+          </p:txBody>
+        </p:sp>
+        <p:sp>
+          <p:nvSpPr>
+            <p:cNvPr id="8" name="矩形 7">
+              <a:extLst>
+                <a:ext uri="{FF2B5EF4-FFF2-40B4-BE49-F238E27FC236}">
+                  <a16:creationId xmlns:a16="http://schemas.microsoft.com/office/drawing/2014/main" id="{460F0C9C-FB1F-488D-AC4D-F684019D6CC6}"/>
+                </a:ext>
+              </a:extLst>
+            </p:cNvPr>
+            <p:cNvSpPr/>
+            <p:nvPr/>
+          </p:nvSpPr>
+          <p:spPr>
+            <a:xfrm>
+              <a:off x="3850345" y="3428999"/>
+              <a:ext cx="636494" cy="582705"/>
+            </a:xfrm>
+            <a:prstGeom prst="rect">
+              <a:avLst/>
+            </a:prstGeom>
+            <a:solidFill>
+              <a:schemeClr val="accent2"/>
             </a:solidFill>
-          </a:ln>
-        </p:spPr>
-        <p:style>
-          <a:lnRef idx="2">
-            <a:schemeClr val="accent1">
-              <a:shade val="50000"/>
-            </a:schemeClr>
-          </a:lnRef>
-          <a:fillRef idx="1">
-            <a:schemeClr val="accent1"/>
-          </a:fillRef>
-          <a:effectRef idx="0">
-            <a:schemeClr val="accent1"/>
-          </a:effectRef>
-          <a:fontRef idx="minor">
-            <a:schemeClr val="lt1"/>
-          </a:fontRef>
-        </p:style>
-        <p:txBody>
-          <a:bodyPr rtlCol="0" anchor="ctr"/>
-          <a:lstStyle/>
-          <a:p>
-            <a:pPr algn="ctr"/>
-            <a:r>
-              <a:rPr lang="en-US" altLang="zh-CN" dirty="0"/>
-              <a:t>3</a:t>
-            </a:r>
-            <a:endParaRPr lang="zh-CN" altLang="en-US" dirty="0"/>
-          </a:p>
-        </p:txBody>
-      </p:sp>
-      <p:sp>
-        <p:nvSpPr>
-          <p:cNvPr id="6" name="矩形 5">
-            <a:extLst>
-              <a:ext uri="{FF2B5EF4-FFF2-40B4-BE49-F238E27FC236}">
-                <a16:creationId xmlns:a16="http://schemas.microsoft.com/office/drawing/2014/main" id="{98A53E97-5C2F-4BA7-AA61-E213F113997A}"/>
-              </a:ext>
-            </a:extLst>
-          </p:cNvPr>
-          <p:cNvSpPr/>
-          <p:nvPr/>
-        </p:nvSpPr>
-        <p:spPr>
-          <a:xfrm>
-            <a:off x="7749991" y="3428998"/>
-            <a:ext cx="636494" cy="582705"/>
-          </a:xfrm>
-          <a:prstGeom prst="rect">
-            <a:avLst/>
-          </a:prstGeom>
-          <a:solidFill>
-            <a:schemeClr val="accent2"/>
-          </a:solidFill>
-          <a:ln>
+            <a:ln>
+              <a:solidFill>
+                <a:schemeClr val="accent1">
+                  <a:lumMod val="50000"/>
+                </a:schemeClr>
+              </a:solidFill>
+            </a:ln>
+          </p:spPr>
+          <p:style>
+            <a:lnRef idx="2">
+              <a:schemeClr val="accent1">
+                <a:shade val="50000"/>
+              </a:schemeClr>
+            </a:lnRef>
+            <a:fillRef idx="1">
+              <a:schemeClr val="accent1"/>
+            </a:fillRef>
+            <a:effectRef idx="0">
+              <a:schemeClr val="accent1"/>
+            </a:effectRef>
+            <a:fontRef idx="minor">
+              <a:schemeClr val="lt1"/>
+            </a:fontRef>
+          </p:style>
+          <p:txBody>
+            <a:bodyPr rtlCol="0" anchor="ctr"/>
+            <a:lstStyle/>
+            <a:p>
+              <a:pPr algn="ctr"/>
+              <a:r>
+                <a:rPr lang="en-US" altLang="zh-CN" dirty="0"/>
+                <a:t>2</a:t>
+              </a:r>
+              <a:endParaRPr lang="zh-CN" altLang="en-US" dirty="0"/>
+            </a:p>
+          </p:txBody>
+        </p:sp>
+        <p:sp>
+          <p:nvSpPr>
+            <p:cNvPr id="9" name="矩形 8">
+              <a:extLst>
+                <a:ext uri="{FF2B5EF4-FFF2-40B4-BE49-F238E27FC236}">
+                  <a16:creationId xmlns:a16="http://schemas.microsoft.com/office/drawing/2014/main" id="{55F285C5-7553-4DE2-B98F-7F22D2637FD5}"/>
+                </a:ext>
+              </a:extLst>
+            </p:cNvPr>
+            <p:cNvSpPr/>
+            <p:nvPr/>
+          </p:nvSpPr>
+          <p:spPr>
+            <a:xfrm>
+              <a:off x="9049873" y="3428998"/>
+              <a:ext cx="636494" cy="582705"/>
+            </a:xfrm>
+            <a:prstGeom prst="rect">
+              <a:avLst/>
+            </a:prstGeom>
             <a:solidFill>
+              <a:schemeClr val="accent1"/>
+            </a:solidFill>
+            <a:ln>
+              <a:solidFill>
+                <a:schemeClr val="accent1">
+                  <a:lumMod val="50000"/>
+                </a:schemeClr>
+              </a:solidFill>
+            </a:ln>
+          </p:spPr>
+          <p:style>
+            <a:lnRef idx="2">
               <a:schemeClr val="accent1">
-                <a:lumMod val="50000"/>
+                <a:shade val="50000"/>
               </a:schemeClr>
+            </a:lnRef>
+            <a:fillRef idx="1">
+              <a:schemeClr val="accent1"/>
+            </a:fillRef>
+            <a:effectRef idx="0">
+              <a:schemeClr val="accent1"/>
+            </a:effectRef>
+            <a:fontRef idx="minor">
+              <a:schemeClr val="lt1"/>
+            </a:fontRef>
+          </p:style>
+          <p:txBody>
+            <a:bodyPr rtlCol="0" anchor="ctr"/>
+            <a:lstStyle/>
+            <a:p>
+              <a:pPr algn="ctr"/>
+              <a:r>
+                <a:rPr lang="en-US" altLang="zh-CN" dirty="0"/>
+                <a:t>6</a:t>
+              </a:r>
+              <a:endParaRPr lang="zh-CN" altLang="en-US" dirty="0"/>
+            </a:p>
+          </p:txBody>
+        </p:sp>
+        <p:sp>
+          <p:nvSpPr>
+            <p:cNvPr id="24" name="矩形 23">
+              <a:extLst>
+                <a:ext uri="{FF2B5EF4-FFF2-40B4-BE49-F238E27FC236}">
+                  <a16:creationId xmlns:a16="http://schemas.microsoft.com/office/drawing/2014/main" id="{F67F6159-5482-4520-8476-2F13F09C5768}"/>
+                </a:ext>
+              </a:extLst>
+            </p:cNvPr>
+            <p:cNvSpPr/>
+            <p:nvPr/>
+          </p:nvSpPr>
+          <p:spPr>
+            <a:xfrm>
+              <a:off x="1250581" y="3429000"/>
+              <a:ext cx="636494" cy="582705"/>
+            </a:xfrm>
+            <a:prstGeom prst="rect">
+              <a:avLst/>
+            </a:prstGeom>
+            <a:solidFill>
+              <a:schemeClr val="accent2"/>
             </a:solidFill>
-          </a:ln>
-        </p:spPr>
-        <p:style>
-          <a:lnRef idx="2">
-            <a:schemeClr val="accent1">
-              <a:shade val="50000"/>
-            </a:schemeClr>
-          </a:lnRef>
-          <a:fillRef idx="1">
-            <a:schemeClr val="accent1"/>
-          </a:fillRef>
-          <a:effectRef idx="0">
-            <a:schemeClr val="accent1"/>
-          </a:effectRef>
-          <a:fontRef idx="minor">
-            <a:schemeClr val="lt1"/>
-          </a:fontRef>
-        </p:style>
-        <p:txBody>
-          <a:bodyPr rtlCol="0" anchor="ctr"/>
-          <a:lstStyle/>
-          <a:p>
-            <a:pPr algn="ctr"/>
-            <a:r>
-              <a:rPr lang="en-US" altLang="zh-CN" dirty="0"/>
-              <a:t>9</a:t>
-            </a:r>
-            <a:endParaRPr lang="zh-CN" altLang="en-US" dirty="0"/>
-          </a:p>
-        </p:txBody>
-      </p:sp>
-      <p:sp>
-        <p:nvSpPr>
-          <p:cNvPr id="7" name="矩形 6">
-            <a:extLst>
-              <a:ext uri="{FF2B5EF4-FFF2-40B4-BE49-F238E27FC236}">
-                <a16:creationId xmlns:a16="http://schemas.microsoft.com/office/drawing/2014/main" id="{B65089C9-65BB-46B4-A60D-65695A769765}"/>
-              </a:ext>
-            </a:extLst>
-          </p:cNvPr>
-          <p:cNvSpPr/>
-          <p:nvPr/>
-        </p:nvSpPr>
-        <p:spPr>
-          <a:xfrm>
-            <a:off x="5150227" y="3428999"/>
-            <a:ext cx="636494" cy="582705"/>
-          </a:xfrm>
-          <a:prstGeom prst="rect">
-            <a:avLst/>
-          </a:prstGeom>
-          <a:solidFill>
-            <a:schemeClr val="accent2"/>
-          </a:solidFill>
-          <a:ln>
+            <a:ln>
+              <a:solidFill>
+                <a:schemeClr val="accent1">
+                  <a:lumMod val="50000"/>
+                </a:schemeClr>
+              </a:solidFill>
+            </a:ln>
+          </p:spPr>
+          <p:style>
+            <a:lnRef idx="2">
+              <a:schemeClr val="accent1">
+                <a:shade val="50000"/>
+              </a:schemeClr>
+            </a:lnRef>
+            <a:fillRef idx="1">
+              <a:schemeClr val="accent1"/>
+            </a:fillRef>
+            <a:effectRef idx="0">
+              <a:schemeClr val="accent1"/>
+            </a:effectRef>
+            <a:fontRef idx="minor">
+              <a:schemeClr val="lt1"/>
+            </a:fontRef>
+          </p:style>
+          <p:txBody>
+            <a:bodyPr rtlCol="0" anchor="ctr"/>
+            <a:lstStyle/>
+            <a:p>
+              <a:pPr algn="ctr"/>
+              <a:r>
+                <a:rPr lang="en-US" altLang="zh-CN" dirty="0"/>
+                <a:t>5</a:t>
+              </a:r>
+              <a:endParaRPr lang="zh-CN" altLang="en-US" dirty="0"/>
+            </a:p>
+          </p:txBody>
+        </p:sp>
+        <p:sp>
+          <p:nvSpPr>
+            <p:cNvPr id="25" name="矩形 24">
+              <a:extLst>
+                <a:ext uri="{FF2B5EF4-FFF2-40B4-BE49-F238E27FC236}">
+                  <a16:creationId xmlns:a16="http://schemas.microsoft.com/office/drawing/2014/main" id="{CA20DA65-F460-4170-A73D-076B4D22E0E9}"/>
+                </a:ext>
+              </a:extLst>
+            </p:cNvPr>
+            <p:cNvSpPr/>
+            <p:nvPr/>
+          </p:nvSpPr>
+          <p:spPr>
+            <a:xfrm>
+              <a:off x="2550463" y="3428999"/>
+              <a:ext cx="636494" cy="582705"/>
+            </a:xfrm>
+            <a:prstGeom prst="rect">
+              <a:avLst/>
+            </a:prstGeom>
             <a:solidFill>
+              <a:schemeClr val="accent2"/>
+            </a:solidFill>
+            <a:ln>
+              <a:solidFill>
+                <a:schemeClr val="accent1">
+                  <a:lumMod val="50000"/>
+                </a:schemeClr>
+              </a:solidFill>
+            </a:ln>
+          </p:spPr>
+          <p:style>
+            <a:lnRef idx="2">
               <a:schemeClr val="accent1">
-                <a:lumMod val="50000"/>
+                <a:shade val="50000"/>
               </a:schemeClr>
-            </a:solidFill>
-          </a:ln>
-        </p:spPr>
-        <p:style>
-          <a:lnRef idx="2">
-            <a:schemeClr val="accent1">
-              <a:shade val="50000"/>
-            </a:schemeClr>
-          </a:lnRef>
-          <a:fillRef idx="1">
-            <a:schemeClr val="accent1"/>
-          </a:fillRef>
-          <a:effectRef idx="0">
-            <a:schemeClr val="accent1"/>
-          </a:effectRef>
-          <a:fontRef idx="minor">
-            <a:schemeClr val="lt1"/>
-          </a:fontRef>
-        </p:style>
-        <p:txBody>
-          <a:bodyPr rtlCol="0" anchor="ctr"/>
-          <a:lstStyle/>
-          <a:p>
-            <a:pPr algn="ctr"/>
-            <a:r>
-              <a:rPr lang="en-US" altLang="zh-CN" dirty="0"/>
-              <a:t>4</a:t>
-            </a:r>
-            <a:endParaRPr lang="zh-CN" altLang="en-US" dirty="0"/>
-          </a:p>
-        </p:txBody>
-      </p:sp>
-      <p:sp>
-        <p:nvSpPr>
-          <p:cNvPr id="8" name="矩形 7">
-            <a:extLst>
-              <a:ext uri="{FF2B5EF4-FFF2-40B4-BE49-F238E27FC236}">
-                <a16:creationId xmlns:a16="http://schemas.microsoft.com/office/drawing/2014/main" id="{460F0C9C-FB1F-488D-AC4D-F684019D6CC6}"/>
-              </a:ext>
-            </a:extLst>
-          </p:cNvPr>
-          <p:cNvSpPr/>
-          <p:nvPr/>
-        </p:nvSpPr>
-        <p:spPr>
-          <a:xfrm>
-            <a:off x="3850345" y="3428999"/>
-            <a:ext cx="636494" cy="582705"/>
-          </a:xfrm>
-          <a:prstGeom prst="rect">
-            <a:avLst/>
-          </a:prstGeom>
-          <a:solidFill>
-            <a:schemeClr val="accent2"/>
-          </a:solidFill>
-          <a:ln>
-            <a:solidFill>
+            </a:lnRef>
+            <a:fillRef idx="1">
+              <a:schemeClr val="accent1"/>
+            </a:fillRef>
+            <a:effectRef idx="0">
+              <a:schemeClr val="accent1"/>
+            </a:effectRef>
+            <a:fontRef idx="minor">
+              <a:schemeClr val="lt1"/>
+            </a:fontRef>
+          </p:style>
+          <p:txBody>
+            <a:bodyPr rtlCol="0" anchor="ctr"/>
+            <a:lstStyle/>
+            <a:p>
+              <a:pPr algn="ctr"/>
+              <a:r>
+                <a:rPr lang="en-US" altLang="zh-CN" dirty="0"/>
+                <a:t>7</a:t>
+              </a:r>
+              <a:endParaRPr lang="zh-CN" altLang="en-US" dirty="0"/>
+            </a:p>
+          </p:txBody>
+        </p:sp>
+        <p:cxnSp>
+          <p:nvCxnSpPr>
+            <p:cNvPr id="10" name="直接箭头连接符 9">
+              <a:extLst>
+                <a:ext uri="{FF2B5EF4-FFF2-40B4-BE49-F238E27FC236}">
+                  <a16:creationId xmlns:a16="http://schemas.microsoft.com/office/drawing/2014/main" id="{015921FF-3130-442F-9ACD-B18661AC864F}"/>
+                </a:ext>
+              </a:extLst>
+            </p:cNvPr>
+            <p:cNvCxnSpPr>
+              <a:stCxn id="24" idx="3"/>
+              <a:endCxn id="25" idx="1"/>
+            </p:cNvCxnSpPr>
+            <p:nvPr/>
+          </p:nvCxnSpPr>
+          <p:spPr>
+            <a:xfrm flipV="1">
+              <a:off x="1887075" y="3720352"/>
+              <a:ext cx="663388" cy="1"/>
+            </a:xfrm>
+            <a:prstGeom prst="straightConnector1">
+              <a:avLst/>
+            </a:prstGeom>
+            <a:ln w="19050">
+              <a:solidFill>
+                <a:schemeClr val="tx1"/>
+              </a:solidFill>
+              <a:tailEnd type="triangle"/>
+            </a:ln>
+          </p:spPr>
+          <p:style>
+            <a:lnRef idx="1">
+              <a:schemeClr val="accent1"/>
+            </a:lnRef>
+            <a:fillRef idx="0">
+              <a:schemeClr val="accent1"/>
+            </a:fillRef>
+            <a:effectRef idx="0">
+              <a:schemeClr val="accent1"/>
+            </a:effectRef>
+            <a:fontRef idx="minor">
+              <a:schemeClr val="tx1"/>
+            </a:fontRef>
+          </p:style>
+        </p:cxnSp>
+        <p:cxnSp>
+          <p:nvCxnSpPr>
+            <p:cNvPr id="12" name="直接箭头连接符 11">
+              <a:extLst>
+                <a:ext uri="{FF2B5EF4-FFF2-40B4-BE49-F238E27FC236}">
+                  <a16:creationId xmlns:a16="http://schemas.microsoft.com/office/drawing/2014/main" id="{1FEEC2ED-ECF0-4C46-AE5D-04601A7197E0}"/>
+                </a:ext>
+              </a:extLst>
+            </p:cNvPr>
+            <p:cNvCxnSpPr>
+              <a:stCxn id="25" idx="3"/>
+              <a:endCxn id="8" idx="1"/>
+            </p:cNvCxnSpPr>
+            <p:nvPr/>
+          </p:nvCxnSpPr>
+          <p:spPr>
+            <a:xfrm>
+              <a:off x="3186957" y="3720352"/>
+              <a:ext cx="663388" cy="0"/>
+            </a:xfrm>
+            <a:prstGeom prst="straightConnector1">
+              <a:avLst/>
+            </a:prstGeom>
+            <a:ln w="19050">
+              <a:solidFill>
+                <a:schemeClr val="tx1"/>
+              </a:solidFill>
+              <a:tailEnd type="triangle"/>
+            </a:ln>
+          </p:spPr>
+          <p:style>
+            <a:lnRef idx="1">
+              <a:schemeClr val="accent1"/>
+            </a:lnRef>
+            <a:fillRef idx="0">
+              <a:schemeClr val="accent1"/>
+            </a:fillRef>
+            <a:effectRef idx="0">
+              <a:schemeClr val="accent1"/>
+            </a:effectRef>
+            <a:fontRef idx="minor">
+              <a:schemeClr val="tx1"/>
+            </a:fontRef>
+          </p:style>
+        </p:cxnSp>
+        <p:cxnSp>
+          <p:nvCxnSpPr>
+            <p:cNvPr id="15" name="直接箭头连接符 14">
+              <a:extLst>
+                <a:ext uri="{FF2B5EF4-FFF2-40B4-BE49-F238E27FC236}">
+                  <a16:creationId xmlns:a16="http://schemas.microsoft.com/office/drawing/2014/main" id="{A520C4F4-68CE-4152-BEF7-F43C04818F34}"/>
+                </a:ext>
+              </a:extLst>
+            </p:cNvPr>
+            <p:cNvCxnSpPr>
+              <a:stCxn id="8" idx="3"/>
+              <a:endCxn id="7" idx="1"/>
+            </p:cNvCxnSpPr>
+            <p:nvPr/>
+          </p:nvCxnSpPr>
+          <p:spPr>
+            <a:xfrm>
+              <a:off x="4486839" y="3720352"/>
+              <a:ext cx="663388" cy="0"/>
+            </a:xfrm>
+            <a:prstGeom prst="straightConnector1">
+              <a:avLst/>
+            </a:prstGeom>
+            <a:ln w="19050">
+              <a:solidFill>
+                <a:schemeClr val="tx1"/>
+              </a:solidFill>
+              <a:tailEnd type="triangle"/>
+            </a:ln>
+          </p:spPr>
+          <p:style>
+            <a:lnRef idx="1">
+              <a:schemeClr val="accent1"/>
+            </a:lnRef>
+            <a:fillRef idx="0">
+              <a:schemeClr val="accent1"/>
+            </a:fillRef>
+            <a:effectRef idx="0">
+              <a:schemeClr val="accent1"/>
+            </a:effectRef>
+            <a:fontRef idx="minor">
+              <a:schemeClr val="tx1"/>
+            </a:fontRef>
+          </p:style>
+        </p:cxnSp>
+        <p:cxnSp>
+          <p:nvCxnSpPr>
+            <p:cNvPr id="17" name="直接箭头连接符 16">
+              <a:extLst>
+                <a:ext uri="{FF2B5EF4-FFF2-40B4-BE49-F238E27FC236}">
+                  <a16:creationId xmlns:a16="http://schemas.microsoft.com/office/drawing/2014/main" id="{1B1D1F8D-6C92-4A40-A5BF-A60B7D9E15D2}"/>
+                </a:ext>
+              </a:extLst>
+            </p:cNvPr>
+            <p:cNvCxnSpPr>
+              <a:stCxn id="7" idx="3"/>
+              <a:endCxn id="13" idx="1"/>
+            </p:cNvCxnSpPr>
+            <p:nvPr/>
+          </p:nvCxnSpPr>
+          <p:spPr>
+            <a:xfrm flipV="1">
+              <a:off x="5786721" y="3720351"/>
+              <a:ext cx="663388" cy="1"/>
+            </a:xfrm>
+            <a:prstGeom prst="straightConnector1">
+              <a:avLst/>
+            </a:prstGeom>
+            <a:ln w="19050">
+              <a:solidFill>
+                <a:schemeClr val="tx1"/>
+              </a:solidFill>
+              <a:tailEnd type="triangle"/>
+            </a:ln>
+          </p:spPr>
+          <p:style>
+            <a:lnRef idx="1">
+              <a:schemeClr val="accent1"/>
+            </a:lnRef>
+            <a:fillRef idx="0">
+              <a:schemeClr val="accent1"/>
+            </a:fillRef>
+            <a:effectRef idx="0">
+              <a:schemeClr val="accent1"/>
+            </a:effectRef>
+            <a:fontRef idx="minor">
+              <a:schemeClr val="tx1"/>
+            </a:fontRef>
+          </p:style>
+        </p:cxnSp>
+        <p:cxnSp>
+          <p:nvCxnSpPr>
+            <p:cNvPr id="19" name="直接箭头连接符 18">
+              <a:extLst>
+                <a:ext uri="{FF2B5EF4-FFF2-40B4-BE49-F238E27FC236}">
+                  <a16:creationId xmlns:a16="http://schemas.microsoft.com/office/drawing/2014/main" id="{D3F8C3DC-61C8-4DCE-B1B6-E7E34ED42A9E}"/>
+                </a:ext>
+              </a:extLst>
+            </p:cNvPr>
+            <p:cNvCxnSpPr>
+              <a:stCxn id="13" idx="3"/>
+              <a:endCxn id="6" idx="1"/>
+            </p:cNvCxnSpPr>
+            <p:nvPr/>
+          </p:nvCxnSpPr>
+          <p:spPr>
+            <a:xfrm>
+              <a:off x="7086603" y="3720351"/>
+              <a:ext cx="663388" cy="0"/>
+            </a:xfrm>
+            <a:prstGeom prst="straightConnector1">
+              <a:avLst/>
+            </a:prstGeom>
+            <a:ln w="19050">
+              <a:solidFill>
+                <a:schemeClr val="tx1"/>
+              </a:solidFill>
+              <a:tailEnd type="triangle"/>
+            </a:ln>
+          </p:spPr>
+          <p:style>
+            <a:lnRef idx="1">
+              <a:schemeClr val="accent1"/>
+            </a:lnRef>
+            <a:fillRef idx="0">
+              <a:schemeClr val="accent1"/>
+            </a:fillRef>
+            <a:effectRef idx="0">
+              <a:schemeClr val="accent1"/>
+            </a:effectRef>
+            <a:fontRef idx="minor">
+              <a:schemeClr val="tx1"/>
+            </a:fontRef>
+          </p:style>
+        </p:cxnSp>
+        <p:cxnSp>
+          <p:nvCxnSpPr>
+            <p:cNvPr id="21" name="直接箭头连接符 20">
+              <a:extLst>
+                <a:ext uri="{FF2B5EF4-FFF2-40B4-BE49-F238E27FC236}">
+                  <a16:creationId xmlns:a16="http://schemas.microsoft.com/office/drawing/2014/main" id="{8D0841FF-29A4-4E0E-B0D0-7C7D1B6A811B}"/>
+                </a:ext>
+              </a:extLst>
+            </p:cNvPr>
+            <p:cNvCxnSpPr>
+              <a:stCxn id="6" idx="3"/>
+              <a:endCxn id="9" idx="1"/>
+            </p:cNvCxnSpPr>
+            <p:nvPr/>
+          </p:nvCxnSpPr>
+          <p:spPr>
+            <a:xfrm>
+              <a:off x="8386485" y="3720351"/>
+              <a:ext cx="663388" cy="0"/>
+            </a:xfrm>
+            <a:prstGeom prst="straightConnector1">
+              <a:avLst/>
+            </a:prstGeom>
+            <a:ln w="19050">
+              <a:solidFill>
+                <a:schemeClr val="tx1"/>
+              </a:solidFill>
+              <a:tailEnd type="triangle"/>
+            </a:ln>
+          </p:spPr>
+          <p:style>
+            <a:lnRef idx="1">
+              <a:schemeClr val="accent1"/>
+            </a:lnRef>
+            <a:fillRef idx="0">
+              <a:schemeClr val="accent1"/>
+            </a:fillRef>
+            <a:effectRef idx="0">
+              <a:schemeClr val="accent1"/>
+            </a:effectRef>
+            <a:fontRef idx="minor">
+              <a:schemeClr val="tx1"/>
+            </a:fontRef>
+          </p:style>
+        </p:cxnSp>
+        <p:cxnSp>
+          <p:nvCxnSpPr>
+            <p:cNvPr id="23" name="直接箭头连接符 22">
+              <a:extLst>
+                <a:ext uri="{FF2B5EF4-FFF2-40B4-BE49-F238E27FC236}">
+                  <a16:creationId xmlns:a16="http://schemas.microsoft.com/office/drawing/2014/main" id="{83D283C8-1140-446A-8437-378572E610D9}"/>
+                </a:ext>
+              </a:extLst>
+            </p:cNvPr>
+            <p:cNvCxnSpPr>
+              <a:stCxn id="9" idx="3"/>
+              <a:endCxn id="5" idx="1"/>
+            </p:cNvCxnSpPr>
+            <p:nvPr/>
+          </p:nvCxnSpPr>
+          <p:spPr>
+            <a:xfrm>
+              <a:off x="9686367" y="3720351"/>
+              <a:ext cx="663388" cy="0"/>
+            </a:xfrm>
+            <a:prstGeom prst="straightConnector1">
+              <a:avLst/>
+            </a:prstGeom>
+            <a:ln w="19050">
+              <a:solidFill>
+                <a:schemeClr val="tx1"/>
+              </a:solidFill>
+              <a:tailEnd type="triangle"/>
+            </a:ln>
+          </p:spPr>
+          <p:style>
+            <a:lnRef idx="1">
+              <a:schemeClr val="accent1"/>
+            </a:lnRef>
+            <a:fillRef idx="0">
+              <a:schemeClr val="accent1"/>
+            </a:fillRef>
+            <a:effectRef idx="0">
+              <a:schemeClr val="accent1"/>
+            </a:effectRef>
+            <a:fontRef idx="minor">
+              <a:schemeClr val="tx1"/>
+            </a:fontRef>
+          </p:style>
+        </p:cxnSp>
+        <p:cxnSp>
+          <p:nvCxnSpPr>
+            <p:cNvPr id="27" name="直接箭头连接符 26">
+              <a:extLst>
+                <a:ext uri="{FF2B5EF4-FFF2-40B4-BE49-F238E27FC236}">
+                  <a16:creationId xmlns:a16="http://schemas.microsoft.com/office/drawing/2014/main" id="{4B9920A2-2827-46C1-AF3A-D41DCEBD0917}"/>
+                </a:ext>
+              </a:extLst>
+            </p:cNvPr>
+            <p:cNvCxnSpPr>
+              <a:stCxn id="5" idx="3"/>
+              <a:endCxn id="4" idx="1"/>
+            </p:cNvCxnSpPr>
+            <p:nvPr/>
+          </p:nvCxnSpPr>
+          <p:spPr>
+            <a:xfrm>
+              <a:off x="10986249" y="3720351"/>
+              <a:ext cx="663388" cy="0"/>
+            </a:xfrm>
+            <a:prstGeom prst="straightConnector1">
+              <a:avLst/>
+            </a:prstGeom>
+            <a:ln w="19050">
+              <a:solidFill>
+                <a:schemeClr val="tx1"/>
+              </a:solidFill>
+              <a:tailEnd type="triangle"/>
+            </a:ln>
+          </p:spPr>
+          <p:style>
+            <a:lnRef idx="1">
+              <a:schemeClr val="accent1"/>
+            </a:lnRef>
+            <a:fillRef idx="0">
+              <a:schemeClr val="accent1"/>
+            </a:fillRef>
+            <a:effectRef idx="0">
+              <a:schemeClr val="accent1"/>
+            </a:effectRef>
+            <a:fontRef idx="minor">
+              <a:schemeClr val="tx1"/>
+            </a:fontRef>
+          </p:style>
+        </p:cxnSp>
+        <p:sp>
+          <p:nvSpPr>
+            <p:cNvPr id="28" name="矩形 27">
+              <a:extLst>
+                <a:ext uri="{FF2B5EF4-FFF2-40B4-BE49-F238E27FC236}">
+                  <a16:creationId xmlns:a16="http://schemas.microsoft.com/office/drawing/2014/main" id="{5B2B491D-F05C-409C-9A04-FC22F11AE2FA}"/>
+                </a:ext>
+              </a:extLst>
+            </p:cNvPr>
+            <p:cNvSpPr/>
+            <p:nvPr/>
+          </p:nvSpPr>
+          <p:spPr>
+            <a:xfrm>
+              <a:off x="11649637" y="4011700"/>
+              <a:ext cx="636494" cy="582705"/>
+            </a:xfrm>
+            <a:prstGeom prst="rect">
+              <a:avLst/>
+            </a:prstGeom>
+            <a:noFill/>
+            <a:ln>
+              <a:noFill/>
+            </a:ln>
+          </p:spPr>
+          <p:style>
+            <a:lnRef idx="2">
               <a:schemeClr val="accent1">
-                <a:lumMod val="50000"/>
+                <a:shade val="50000"/>
               </a:schemeClr>
-            </a:solidFill>
-          </a:ln>
-        </p:spPr>
-        <p:style>
-          <a:lnRef idx="2">
-            <a:schemeClr val="accent1">
-              <a:shade val="50000"/>
-            </a:schemeClr>
-          </a:lnRef>
-          <a:fillRef idx="1">
-            <a:schemeClr val="accent1"/>
-          </a:fillRef>
-          <a:effectRef idx="0">
-            <a:schemeClr val="accent1"/>
-          </a:effectRef>
-          <a:fontRef idx="minor">
-            <a:schemeClr val="lt1"/>
-          </a:fontRef>
-        </p:style>
-        <p:txBody>
-          <a:bodyPr rtlCol="0" anchor="ctr"/>
-          <a:lstStyle/>
-          <a:p>
-            <a:pPr algn="ctr"/>
-            <a:r>
-              <a:rPr lang="en-US" altLang="zh-CN" dirty="0"/>
-              <a:t>2</a:t>
-            </a:r>
-            <a:endParaRPr lang="zh-CN" altLang="en-US" dirty="0"/>
-          </a:p>
-        </p:txBody>
-      </p:sp>
-      <p:sp>
-        <p:nvSpPr>
-          <p:cNvPr id="9" name="矩形 8">
-            <a:extLst>
-              <a:ext uri="{FF2B5EF4-FFF2-40B4-BE49-F238E27FC236}">
-                <a16:creationId xmlns:a16="http://schemas.microsoft.com/office/drawing/2014/main" id="{55F285C5-7553-4DE2-B98F-7F22D2637FD5}"/>
-              </a:ext>
-            </a:extLst>
-          </p:cNvPr>
-          <p:cNvSpPr/>
-          <p:nvPr/>
-        </p:nvSpPr>
-        <p:spPr>
-          <a:xfrm>
-            <a:off x="9049873" y="3428998"/>
-            <a:ext cx="636494" cy="582705"/>
-          </a:xfrm>
-          <a:prstGeom prst="rect">
-            <a:avLst/>
-          </a:prstGeom>
-          <a:solidFill>
-            <a:schemeClr val="accent1"/>
-          </a:solidFill>
-          <a:ln>
-            <a:solidFill>
-              <a:schemeClr val="accent1">
-                <a:lumMod val="50000"/>
-              </a:schemeClr>
-            </a:solidFill>
-          </a:ln>
-        </p:spPr>
-        <p:style>
-          <a:lnRef idx="2">
-            <a:schemeClr val="accent1">
-              <a:shade val="50000"/>
-            </a:schemeClr>
-          </a:lnRef>
-          <a:fillRef idx="1">
-            <a:schemeClr val="accent1"/>
-          </a:fillRef>
-          <a:effectRef idx="0">
-            <a:schemeClr val="accent1"/>
-          </a:effectRef>
-          <a:fontRef idx="minor">
-            <a:schemeClr val="lt1"/>
-          </a:fontRef>
-        </p:style>
-        <p:txBody>
-          <a:bodyPr rtlCol="0" anchor="ctr"/>
-          <a:lstStyle/>
-          <a:p>
-            <a:pPr algn="ctr"/>
-            <a:r>
-              <a:rPr lang="en-US" altLang="zh-CN" dirty="0"/>
-              <a:t>6</a:t>
-            </a:r>
-            <a:endParaRPr lang="zh-CN" altLang="en-US" dirty="0"/>
-          </a:p>
-        </p:txBody>
-      </p:sp>
-      <p:sp>
-        <p:nvSpPr>
-          <p:cNvPr id="24" name="矩形 23">
-            <a:extLst>
-              <a:ext uri="{FF2B5EF4-FFF2-40B4-BE49-F238E27FC236}">
-                <a16:creationId xmlns:a16="http://schemas.microsoft.com/office/drawing/2014/main" id="{F67F6159-5482-4520-8476-2F13F09C5768}"/>
-              </a:ext>
-            </a:extLst>
-          </p:cNvPr>
-          <p:cNvSpPr/>
-          <p:nvPr/>
-        </p:nvSpPr>
-        <p:spPr>
-          <a:xfrm>
-            <a:off x="1250581" y="3429000"/>
-            <a:ext cx="636494" cy="582705"/>
-          </a:xfrm>
-          <a:prstGeom prst="rect">
-            <a:avLst/>
-          </a:prstGeom>
-          <a:solidFill>
-            <a:schemeClr val="accent2"/>
-          </a:solidFill>
-          <a:ln>
-            <a:solidFill>
-              <a:schemeClr val="accent1">
-                <a:lumMod val="50000"/>
-              </a:schemeClr>
-            </a:solidFill>
-          </a:ln>
-        </p:spPr>
-        <p:style>
-          <a:lnRef idx="2">
-            <a:schemeClr val="accent1">
-              <a:shade val="50000"/>
-            </a:schemeClr>
-          </a:lnRef>
-          <a:fillRef idx="1">
-            <a:schemeClr val="accent1"/>
-          </a:fillRef>
-          <a:effectRef idx="0">
-            <a:schemeClr val="accent1"/>
-          </a:effectRef>
-          <a:fontRef idx="minor">
-            <a:schemeClr val="lt1"/>
-          </a:fontRef>
-        </p:style>
-        <p:txBody>
-          <a:bodyPr rtlCol="0" anchor="ctr"/>
-          <a:lstStyle/>
-          <a:p>
-            <a:pPr algn="ctr"/>
-            <a:r>
-              <a:rPr lang="en-US" altLang="zh-CN" dirty="0"/>
-              <a:t>5</a:t>
-            </a:r>
-            <a:endParaRPr lang="zh-CN" altLang="en-US" dirty="0"/>
-          </a:p>
-        </p:txBody>
-      </p:sp>
-      <p:sp>
-        <p:nvSpPr>
-          <p:cNvPr id="25" name="矩形 24">
-            <a:extLst>
-              <a:ext uri="{FF2B5EF4-FFF2-40B4-BE49-F238E27FC236}">
-                <a16:creationId xmlns:a16="http://schemas.microsoft.com/office/drawing/2014/main" id="{CA20DA65-F460-4170-A73D-076B4D22E0E9}"/>
-              </a:ext>
-            </a:extLst>
-          </p:cNvPr>
-          <p:cNvSpPr/>
-          <p:nvPr/>
-        </p:nvSpPr>
-        <p:spPr>
-          <a:xfrm>
-            <a:off x="2550463" y="3428999"/>
-            <a:ext cx="636494" cy="582705"/>
-          </a:xfrm>
-          <a:prstGeom prst="rect">
-            <a:avLst/>
-          </a:prstGeom>
-          <a:solidFill>
-            <a:schemeClr val="accent2"/>
-          </a:solidFill>
-          <a:ln>
-            <a:solidFill>
-              <a:schemeClr val="accent1">
-                <a:lumMod val="50000"/>
-              </a:schemeClr>
-            </a:solidFill>
-          </a:ln>
-        </p:spPr>
-        <p:style>
-          <a:lnRef idx="2">
-            <a:schemeClr val="accent1">
-              <a:shade val="50000"/>
-            </a:schemeClr>
-          </a:lnRef>
-          <a:fillRef idx="1">
-            <a:schemeClr val="accent1"/>
-          </a:fillRef>
-          <a:effectRef idx="0">
-            <a:schemeClr val="accent1"/>
-          </a:effectRef>
-          <a:fontRef idx="minor">
-            <a:schemeClr val="lt1"/>
-          </a:fontRef>
-        </p:style>
-        <p:txBody>
-          <a:bodyPr rtlCol="0" anchor="ctr"/>
-          <a:lstStyle/>
-          <a:p>
-            <a:pPr algn="ctr"/>
-            <a:r>
-              <a:rPr lang="en-US" altLang="zh-CN" dirty="0"/>
-              <a:t>7</a:t>
-            </a:r>
-            <a:endParaRPr lang="zh-CN" altLang="en-US" dirty="0"/>
-          </a:p>
-        </p:txBody>
-      </p:sp>
-      <p:cxnSp>
-        <p:nvCxnSpPr>
-          <p:cNvPr id="10" name="直接箭头连接符 9">
-            <a:extLst>
-              <a:ext uri="{FF2B5EF4-FFF2-40B4-BE49-F238E27FC236}">
-                <a16:creationId xmlns:a16="http://schemas.microsoft.com/office/drawing/2014/main" id="{015921FF-3130-442F-9ACD-B18661AC864F}"/>
-              </a:ext>
-            </a:extLst>
-          </p:cNvPr>
-          <p:cNvCxnSpPr>
-            <a:stCxn id="24" idx="3"/>
-            <a:endCxn id="25" idx="1"/>
-          </p:cNvCxnSpPr>
-          <p:nvPr/>
-        </p:nvCxnSpPr>
-        <p:spPr>
-          <a:xfrm flipV="1">
-            <a:off x="1887075" y="3720352"/>
-            <a:ext cx="663388" cy="1"/>
-          </a:xfrm>
-          <a:prstGeom prst="straightConnector1">
-            <a:avLst/>
-          </a:prstGeom>
-          <a:ln w="19050">
-            <a:solidFill>
-              <a:schemeClr val="tx1"/>
-            </a:solidFill>
-            <a:tailEnd type="triangle"/>
-          </a:ln>
-        </p:spPr>
-        <p:style>
-          <a:lnRef idx="1">
-            <a:schemeClr val="accent1"/>
-          </a:lnRef>
-          <a:fillRef idx="0">
-            <a:schemeClr val="accent1"/>
-          </a:fillRef>
-          <a:effectRef idx="0">
-            <a:schemeClr val="accent1"/>
-          </a:effectRef>
-          <a:fontRef idx="minor">
-            <a:schemeClr val="tx1"/>
-          </a:fontRef>
-        </p:style>
-      </p:cxnSp>
-      <p:cxnSp>
-        <p:nvCxnSpPr>
-          <p:cNvPr id="12" name="直接箭头连接符 11">
-            <a:extLst>
-              <a:ext uri="{FF2B5EF4-FFF2-40B4-BE49-F238E27FC236}">
-                <a16:creationId xmlns:a16="http://schemas.microsoft.com/office/drawing/2014/main" id="{1FEEC2ED-ECF0-4C46-AE5D-04601A7197E0}"/>
-              </a:ext>
-            </a:extLst>
-          </p:cNvPr>
-          <p:cNvCxnSpPr>
-            <a:stCxn id="25" idx="3"/>
-            <a:endCxn id="8" idx="1"/>
-          </p:cNvCxnSpPr>
-          <p:nvPr/>
-        </p:nvCxnSpPr>
-        <p:spPr>
-          <a:xfrm>
-            <a:off x="3186957" y="3720352"/>
-            <a:ext cx="663388" cy="0"/>
-          </a:xfrm>
-          <a:prstGeom prst="straightConnector1">
-            <a:avLst/>
-          </a:prstGeom>
-          <a:ln w="19050">
-            <a:solidFill>
-              <a:schemeClr val="tx1"/>
-            </a:solidFill>
-            <a:tailEnd type="triangle"/>
-          </a:ln>
-        </p:spPr>
-        <p:style>
-          <a:lnRef idx="1">
-            <a:schemeClr val="accent1"/>
-          </a:lnRef>
-          <a:fillRef idx="0">
-            <a:schemeClr val="accent1"/>
-          </a:fillRef>
-          <a:effectRef idx="0">
-            <a:schemeClr val="accent1"/>
-          </a:effectRef>
-          <a:fontRef idx="minor">
-            <a:schemeClr val="tx1"/>
-          </a:fontRef>
-        </p:style>
-      </p:cxnSp>
-      <p:cxnSp>
-        <p:nvCxnSpPr>
-          <p:cNvPr id="15" name="直接箭头连接符 14">
-            <a:extLst>
-              <a:ext uri="{FF2B5EF4-FFF2-40B4-BE49-F238E27FC236}">
-                <a16:creationId xmlns:a16="http://schemas.microsoft.com/office/drawing/2014/main" id="{A520C4F4-68CE-4152-BEF7-F43C04818F34}"/>
-              </a:ext>
-            </a:extLst>
-          </p:cNvPr>
-          <p:cNvCxnSpPr>
-            <a:stCxn id="8" idx="3"/>
-            <a:endCxn id="7" idx="1"/>
-          </p:cNvCxnSpPr>
-          <p:nvPr/>
-        </p:nvCxnSpPr>
-        <p:spPr>
-          <a:xfrm>
-            <a:off x="4486839" y="3720352"/>
-            <a:ext cx="663388" cy="0"/>
-          </a:xfrm>
-          <a:prstGeom prst="straightConnector1">
-            <a:avLst/>
-          </a:prstGeom>
-          <a:ln w="19050">
-            <a:solidFill>
-              <a:schemeClr val="tx1"/>
-            </a:solidFill>
-            <a:tailEnd type="triangle"/>
-          </a:ln>
-        </p:spPr>
-        <p:style>
-          <a:lnRef idx="1">
-            <a:schemeClr val="accent1"/>
-          </a:lnRef>
-          <a:fillRef idx="0">
-            <a:schemeClr val="accent1"/>
-          </a:fillRef>
-          <a:effectRef idx="0">
-            <a:schemeClr val="accent1"/>
-          </a:effectRef>
-          <a:fontRef idx="minor">
-            <a:schemeClr val="tx1"/>
-          </a:fontRef>
-        </p:style>
-      </p:cxnSp>
-      <p:cxnSp>
-        <p:nvCxnSpPr>
-          <p:cNvPr id="17" name="直接箭头连接符 16">
-            <a:extLst>
-              <a:ext uri="{FF2B5EF4-FFF2-40B4-BE49-F238E27FC236}">
-                <a16:creationId xmlns:a16="http://schemas.microsoft.com/office/drawing/2014/main" id="{1B1D1F8D-6C92-4A40-A5BF-A60B7D9E15D2}"/>
-              </a:ext>
-            </a:extLst>
-          </p:cNvPr>
-          <p:cNvCxnSpPr>
-            <a:stCxn id="7" idx="3"/>
-            <a:endCxn id="13" idx="1"/>
-          </p:cNvCxnSpPr>
-          <p:nvPr/>
-        </p:nvCxnSpPr>
-        <p:spPr>
-          <a:xfrm flipV="1">
-            <a:off x="5786721" y="3720351"/>
-            <a:ext cx="663388" cy="1"/>
-          </a:xfrm>
-          <a:prstGeom prst="straightConnector1">
-            <a:avLst/>
-          </a:prstGeom>
-          <a:ln w="19050">
-            <a:solidFill>
-              <a:schemeClr val="tx1"/>
-            </a:solidFill>
-            <a:tailEnd type="triangle"/>
-          </a:ln>
-        </p:spPr>
-        <p:style>
-          <a:lnRef idx="1">
-            <a:schemeClr val="accent1"/>
-          </a:lnRef>
-          <a:fillRef idx="0">
-            <a:schemeClr val="accent1"/>
-          </a:fillRef>
-          <a:effectRef idx="0">
-            <a:schemeClr val="accent1"/>
-          </a:effectRef>
-          <a:fontRef idx="minor">
-            <a:schemeClr val="tx1"/>
-          </a:fontRef>
-        </p:style>
-      </p:cxnSp>
-      <p:cxnSp>
-        <p:nvCxnSpPr>
-          <p:cNvPr id="19" name="直接箭头连接符 18">
-            <a:extLst>
-              <a:ext uri="{FF2B5EF4-FFF2-40B4-BE49-F238E27FC236}">
-                <a16:creationId xmlns:a16="http://schemas.microsoft.com/office/drawing/2014/main" id="{D3F8C3DC-61C8-4DCE-B1B6-E7E34ED42A9E}"/>
-              </a:ext>
-            </a:extLst>
-          </p:cNvPr>
-          <p:cNvCxnSpPr>
-            <a:stCxn id="13" idx="3"/>
-            <a:endCxn id="6" idx="1"/>
-          </p:cNvCxnSpPr>
-          <p:nvPr/>
-        </p:nvCxnSpPr>
-        <p:spPr>
-          <a:xfrm>
-            <a:off x="7086603" y="3720351"/>
-            <a:ext cx="663388" cy="0"/>
-          </a:xfrm>
-          <a:prstGeom prst="straightConnector1">
-            <a:avLst/>
-          </a:prstGeom>
-          <a:ln w="19050">
-            <a:solidFill>
-              <a:schemeClr val="tx1"/>
-            </a:solidFill>
-            <a:tailEnd type="triangle"/>
-          </a:ln>
-        </p:spPr>
-        <p:style>
-          <a:lnRef idx="1">
-            <a:schemeClr val="accent1"/>
-          </a:lnRef>
-          <a:fillRef idx="0">
-            <a:schemeClr val="accent1"/>
-          </a:fillRef>
-          <a:effectRef idx="0">
-            <a:schemeClr val="accent1"/>
-          </a:effectRef>
-          <a:fontRef idx="minor">
-            <a:schemeClr val="tx1"/>
-          </a:fontRef>
-        </p:style>
-      </p:cxnSp>
-      <p:cxnSp>
-        <p:nvCxnSpPr>
-          <p:cNvPr id="21" name="直接箭头连接符 20">
-            <a:extLst>
-              <a:ext uri="{FF2B5EF4-FFF2-40B4-BE49-F238E27FC236}">
-                <a16:creationId xmlns:a16="http://schemas.microsoft.com/office/drawing/2014/main" id="{8D0841FF-29A4-4E0E-B0D0-7C7D1B6A811B}"/>
-              </a:ext>
-            </a:extLst>
-          </p:cNvPr>
-          <p:cNvCxnSpPr>
-            <a:stCxn id="6" idx="3"/>
-            <a:endCxn id="9" idx="1"/>
-          </p:cNvCxnSpPr>
-          <p:nvPr/>
-        </p:nvCxnSpPr>
-        <p:spPr>
-          <a:xfrm>
-            <a:off x="8386485" y="3720351"/>
-            <a:ext cx="663388" cy="0"/>
-          </a:xfrm>
-          <a:prstGeom prst="straightConnector1">
-            <a:avLst/>
-          </a:prstGeom>
-          <a:ln w="19050">
-            <a:solidFill>
-              <a:schemeClr val="tx1"/>
-            </a:solidFill>
-            <a:tailEnd type="triangle"/>
-          </a:ln>
-        </p:spPr>
-        <p:style>
-          <a:lnRef idx="1">
-            <a:schemeClr val="accent1"/>
-          </a:lnRef>
-          <a:fillRef idx="0">
-            <a:schemeClr val="accent1"/>
-          </a:fillRef>
-          <a:effectRef idx="0">
-            <a:schemeClr val="accent1"/>
-          </a:effectRef>
-          <a:fontRef idx="minor">
-            <a:schemeClr val="tx1"/>
-          </a:fontRef>
-        </p:style>
-      </p:cxnSp>
-      <p:cxnSp>
-        <p:nvCxnSpPr>
-          <p:cNvPr id="23" name="直接箭头连接符 22">
-            <a:extLst>
-              <a:ext uri="{FF2B5EF4-FFF2-40B4-BE49-F238E27FC236}">
-                <a16:creationId xmlns:a16="http://schemas.microsoft.com/office/drawing/2014/main" id="{83D283C8-1140-446A-8437-378572E610D9}"/>
-              </a:ext>
-            </a:extLst>
-          </p:cNvPr>
-          <p:cNvCxnSpPr>
-            <a:stCxn id="9" idx="3"/>
-            <a:endCxn id="5" idx="1"/>
-          </p:cNvCxnSpPr>
-          <p:nvPr/>
-        </p:nvCxnSpPr>
-        <p:spPr>
-          <a:xfrm>
-            <a:off x="9686367" y="3720351"/>
-            <a:ext cx="663388" cy="0"/>
-          </a:xfrm>
-          <a:prstGeom prst="straightConnector1">
-            <a:avLst/>
-          </a:prstGeom>
-          <a:ln w="19050">
-            <a:solidFill>
-              <a:schemeClr val="tx1"/>
-            </a:solidFill>
-            <a:tailEnd type="triangle"/>
-          </a:ln>
-        </p:spPr>
-        <p:style>
-          <a:lnRef idx="1">
-            <a:schemeClr val="accent1"/>
-          </a:lnRef>
-          <a:fillRef idx="0">
-            <a:schemeClr val="accent1"/>
-          </a:fillRef>
-          <a:effectRef idx="0">
-            <a:schemeClr val="accent1"/>
-          </a:effectRef>
-          <a:fontRef idx="minor">
-            <a:schemeClr val="tx1"/>
-          </a:fontRef>
-        </p:style>
-      </p:cxnSp>
-      <p:cxnSp>
-        <p:nvCxnSpPr>
-          <p:cNvPr id="27" name="直接箭头连接符 26">
-            <a:extLst>
-              <a:ext uri="{FF2B5EF4-FFF2-40B4-BE49-F238E27FC236}">
-                <a16:creationId xmlns:a16="http://schemas.microsoft.com/office/drawing/2014/main" id="{4B9920A2-2827-46C1-AF3A-D41DCEBD0917}"/>
-              </a:ext>
-            </a:extLst>
-          </p:cNvPr>
-          <p:cNvCxnSpPr>
-            <a:stCxn id="5" idx="3"/>
-            <a:endCxn id="4" idx="1"/>
-          </p:cNvCxnSpPr>
-          <p:nvPr/>
-        </p:nvCxnSpPr>
-        <p:spPr>
-          <a:xfrm>
-            <a:off x="10986249" y="3720351"/>
-            <a:ext cx="663388" cy="0"/>
-          </a:xfrm>
-          <a:prstGeom prst="straightConnector1">
-            <a:avLst/>
-          </a:prstGeom>
-          <a:ln w="19050">
-            <a:solidFill>
-              <a:schemeClr val="tx1"/>
-            </a:solidFill>
-            <a:tailEnd type="triangle"/>
-          </a:ln>
-        </p:spPr>
-        <p:style>
-          <a:lnRef idx="1">
-            <a:schemeClr val="accent1"/>
-          </a:lnRef>
-          <a:fillRef idx="0">
-            <a:schemeClr val="accent1"/>
-          </a:fillRef>
-          <a:effectRef idx="0">
-            <a:schemeClr val="accent1"/>
-          </a:effectRef>
-          <a:fontRef idx="minor">
-            <a:schemeClr val="tx1"/>
-          </a:fontRef>
-        </p:style>
-      </p:cxnSp>
-      <p:sp>
-        <p:nvSpPr>
-          <p:cNvPr id="28" name="矩形 27">
-            <a:extLst>
-              <a:ext uri="{FF2B5EF4-FFF2-40B4-BE49-F238E27FC236}">
-                <a16:creationId xmlns:a16="http://schemas.microsoft.com/office/drawing/2014/main" id="{5B2B491D-F05C-409C-9A04-FC22F11AE2FA}"/>
-              </a:ext>
-            </a:extLst>
-          </p:cNvPr>
-          <p:cNvSpPr/>
-          <p:nvPr/>
-        </p:nvSpPr>
-        <p:spPr>
-          <a:xfrm>
-            <a:off x="11649637" y="4011700"/>
-            <a:ext cx="636494" cy="582705"/>
-          </a:xfrm>
-          <a:prstGeom prst="rect">
-            <a:avLst/>
-          </a:prstGeom>
-          <a:noFill/>
-          <a:ln>
-            <a:noFill/>
-          </a:ln>
-        </p:spPr>
-        <p:style>
-          <a:lnRef idx="2">
-            <a:schemeClr val="accent1">
-              <a:shade val="50000"/>
-            </a:schemeClr>
-          </a:lnRef>
-          <a:fillRef idx="1">
-            <a:schemeClr val="accent1"/>
-          </a:fillRef>
-          <a:effectRef idx="0">
-            <a:schemeClr val="accent1"/>
-          </a:effectRef>
-          <a:fontRef idx="minor">
-            <a:schemeClr val="lt1"/>
-          </a:fontRef>
-        </p:style>
-        <p:txBody>
-          <a:bodyPr rtlCol="0" anchor="ctr"/>
-          <a:lstStyle/>
-          <a:p>
-            <a:pPr algn="ctr"/>
-            <a:r>
-              <a:rPr lang="en-US" altLang="zh-CN" sz="1200" dirty="0">
+            </a:lnRef>
+            <a:fillRef idx="1">
+              <a:schemeClr val="accent1"/>
+            </a:fillRef>
+            <a:effectRef idx="0">
+              <a:schemeClr val="accent1"/>
+            </a:effectRef>
+            <a:fontRef idx="minor">
+              <a:schemeClr val="lt1"/>
+            </a:fontRef>
+          </p:style>
+          <p:txBody>
+            <a:bodyPr rtlCol="0" anchor="ctr"/>
+            <a:lstStyle/>
+            <a:p>
+              <a:pPr algn="ctr"/>
+              <a:r>
+                <a:rPr lang="en-US" altLang="zh-CN" sz="1200" dirty="0">
+                  <a:solidFill>
+                    <a:schemeClr val="tx1"/>
+                  </a:solidFill>
+                </a:rPr>
+                <a:t>9</a:t>
+              </a:r>
+              <a:endParaRPr lang="zh-CN" altLang="en-US" sz="1200" dirty="0">
                 <a:solidFill>
                   <a:schemeClr val="tx1"/>
                 </a:solidFill>
-              </a:rPr>
-              <a:t>9</a:t>
-            </a:r>
-            <a:endParaRPr lang="zh-CN" altLang="en-US" sz="1200" dirty="0">
+              </a:endParaRPr>
+            </a:p>
+          </p:txBody>
+        </p:sp>
+        <p:sp>
+          <p:nvSpPr>
+            <p:cNvPr id="29" name="矩形 28">
+              <a:extLst>
+                <a:ext uri="{FF2B5EF4-FFF2-40B4-BE49-F238E27FC236}">
+                  <a16:creationId xmlns:a16="http://schemas.microsoft.com/office/drawing/2014/main" id="{2A6AB5F4-D2DE-4FB7-B239-E8CB1474A287}"/>
+                </a:ext>
+              </a:extLst>
+            </p:cNvPr>
+            <p:cNvSpPr/>
+            <p:nvPr/>
+          </p:nvSpPr>
+          <p:spPr>
+            <a:xfrm>
+              <a:off x="6450109" y="4011700"/>
+              <a:ext cx="636494" cy="582705"/>
+            </a:xfrm>
+            <a:prstGeom prst="rect">
+              <a:avLst/>
+            </a:prstGeom>
+            <a:noFill/>
+            <a:ln>
+              <a:noFill/>
+            </a:ln>
+          </p:spPr>
+          <p:style>
+            <a:lnRef idx="2">
+              <a:schemeClr val="accent1">
+                <a:shade val="50000"/>
+              </a:schemeClr>
+            </a:lnRef>
+            <a:fillRef idx="1">
+              <a:schemeClr val="accent1"/>
+            </a:fillRef>
+            <a:effectRef idx="0">
+              <a:schemeClr val="accent1"/>
+            </a:effectRef>
+            <a:fontRef idx="minor">
+              <a:schemeClr val="lt1"/>
+            </a:fontRef>
+          </p:style>
+          <p:txBody>
+            <a:bodyPr rtlCol="0" anchor="ctr"/>
+            <a:lstStyle/>
+            <a:p>
+              <a:pPr algn="ctr"/>
+              <a:r>
+                <a:rPr lang="en-US" altLang="zh-CN" sz="1200" dirty="0">
+                  <a:solidFill>
+                    <a:schemeClr val="tx1"/>
+                  </a:solidFill>
+                </a:rPr>
+                <a:t>5</a:t>
+              </a:r>
+              <a:endParaRPr lang="zh-CN" altLang="en-US" sz="1200" dirty="0">
+                <a:solidFill>
+                  <a:schemeClr val="tx1"/>
+                </a:solidFill>
+              </a:endParaRPr>
+            </a:p>
+          </p:txBody>
+        </p:sp>
+        <p:sp>
+          <p:nvSpPr>
+            <p:cNvPr id="30" name="矩形 29">
+              <a:extLst>
+                <a:ext uri="{FF2B5EF4-FFF2-40B4-BE49-F238E27FC236}">
+                  <a16:creationId xmlns:a16="http://schemas.microsoft.com/office/drawing/2014/main" id="{02C36AEF-4AC2-4CD6-9188-656CC925F8A9}"/>
+                </a:ext>
+              </a:extLst>
+            </p:cNvPr>
+            <p:cNvSpPr/>
+            <p:nvPr/>
+          </p:nvSpPr>
+          <p:spPr>
+            <a:xfrm>
+              <a:off x="10349755" y="4011700"/>
+              <a:ext cx="636494" cy="582705"/>
+            </a:xfrm>
+            <a:prstGeom prst="rect">
+              <a:avLst/>
+            </a:prstGeom>
+            <a:noFill/>
+            <a:ln>
+              <a:noFill/>
+            </a:ln>
+          </p:spPr>
+          <p:style>
+            <a:lnRef idx="2">
+              <a:schemeClr val="accent1">
+                <a:shade val="50000"/>
+              </a:schemeClr>
+            </a:lnRef>
+            <a:fillRef idx="1">
+              <a:schemeClr val="accent1"/>
+            </a:fillRef>
+            <a:effectRef idx="0">
+              <a:schemeClr val="accent1"/>
+            </a:effectRef>
+            <a:fontRef idx="minor">
+              <a:schemeClr val="lt1"/>
+            </a:fontRef>
+          </p:style>
+          <p:txBody>
+            <a:bodyPr rtlCol="0" anchor="ctr"/>
+            <a:lstStyle/>
+            <a:p>
+              <a:pPr algn="ctr"/>
+              <a:r>
+                <a:rPr lang="en-US" altLang="zh-CN" sz="1200" dirty="0">
+                  <a:solidFill>
+                    <a:schemeClr val="tx1"/>
+                  </a:solidFill>
+                </a:rPr>
+                <a:t>8</a:t>
+              </a:r>
+              <a:endParaRPr lang="zh-CN" altLang="en-US" sz="1200" dirty="0">
+                <a:solidFill>
+                  <a:schemeClr val="tx1"/>
+                </a:solidFill>
+              </a:endParaRPr>
+            </a:p>
+          </p:txBody>
+        </p:sp>
+        <p:sp>
+          <p:nvSpPr>
+            <p:cNvPr id="31" name="矩形 30">
+              <a:extLst>
+                <a:ext uri="{FF2B5EF4-FFF2-40B4-BE49-F238E27FC236}">
+                  <a16:creationId xmlns:a16="http://schemas.microsoft.com/office/drawing/2014/main" id="{CE0F030F-8718-437F-95C4-F9D1DC510FF5}"/>
+                </a:ext>
+              </a:extLst>
+            </p:cNvPr>
+            <p:cNvSpPr/>
+            <p:nvPr/>
+          </p:nvSpPr>
+          <p:spPr>
+            <a:xfrm>
+              <a:off x="7749991" y="4011700"/>
+              <a:ext cx="636494" cy="582705"/>
+            </a:xfrm>
+            <a:prstGeom prst="rect">
+              <a:avLst/>
+            </a:prstGeom>
+            <a:noFill/>
+            <a:ln>
+              <a:noFill/>
+            </a:ln>
+          </p:spPr>
+          <p:style>
+            <a:lnRef idx="2">
+              <a:schemeClr val="accent1">
+                <a:shade val="50000"/>
+              </a:schemeClr>
+            </a:lnRef>
+            <a:fillRef idx="1">
+              <a:schemeClr val="accent1"/>
+            </a:fillRef>
+            <a:effectRef idx="0">
+              <a:schemeClr val="accent1"/>
+            </a:effectRef>
+            <a:fontRef idx="minor">
+              <a:schemeClr val="lt1"/>
+            </a:fontRef>
+          </p:style>
+          <p:txBody>
+            <a:bodyPr rtlCol="0" anchor="ctr"/>
+            <a:lstStyle/>
+            <a:p>
+              <a:pPr algn="ctr"/>
+              <a:r>
+                <a:rPr lang="en-US" altLang="zh-CN" sz="1200" dirty="0">
+                  <a:solidFill>
+                    <a:schemeClr val="tx1"/>
+                  </a:solidFill>
+                </a:rPr>
+                <a:t>6</a:t>
+              </a:r>
+              <a:endParaRPr lang="zh-CN" altLang="en-US" sz="1200" dirty="0">
+                <a:solidFill>
+                  <a:schemeClr val="tx1"/>
+                </a:solidFill>
+              </a:endParaRPr>
+            </a:p>
+          </p:txBody>
+        </p:sp>
+        <p:sp>
+          <p:nvSpPr>
+            <p:cNvPr id="32" name="矩形 31">
+              <a:extLst>
+                <a:ext uri="{FF2B5EF4-FFF2-40B4-BE49-F238E27FC236}">
+                  <a16:creationId xmlns:a16="http://schemas.microsoft.com/office/drawing/2014/main" id="{45F8FEBC-A6FA-4955-A5C3-3DB49C5038B4}"/>
+                </a:ext>
+              </a:extLst>
+            </p:cNvPr>
+            <p:cNvSpPr/>
+            <p:nvPr/>
+          </p:nvSpPr>
+          <p:spPr>
+            <a:xfrm>
+              <a:off x="5150227" y="4011701"/>
+              <a:ext cx="636494" cy="582705"/>
+            </a:xfrm>
+            <a:prstGeom prst="rect">
+              <a:avLst/>
+            </a:prstGeom>
+            <a:noFill/>
+            <a:ln>
+              <a:noFill/>
+            </a:ln>
+          </p:spPr>
+          <p:style>
+            <a:lnRef idx="2">
+              <a:schemeClr val="accent1">
+                <a:shade val="50000"/>
+              </a:schemeClr>
+            </a:lnRef>
+            <a:fillRef idx="1">
+              <a:schemeClr val="accent1"/>
+            </a:fillRef>
+            <a:effectRef idx="0">
+              <a:schemeClr val="accent1"/>
+            </a:effectRef>
+            <a:fontRef idx="minor">
+              <a:schemeClr val="lt1"/>
+            </a:fontRef>
+          </p:style>
+          <p:txBody>
+            <a:bodyPr rtlCol="0" anchor="ctr"/>
+            <a:lstStyle/>
+            <a:p>
+              <a:pPr algn="ctr"/>
+              <a:r>
+                <a:rPr lang="en-US" altLang="zh-CN" sz="1200" dirty="0">
+                  <a:solidFill>
+                    <a:schemeClr val="tx1"/>
+                  </a:solidFill>
+                </a:rPr>
+                <a:t>4</a:t>
+              </a:r>
+              <a:endParaRPr lang="zh-CN" altLang="en-US" sz="1200" dirty="0">
+                <a:solidFill>
+                  <a:schemeClr val="tx1"/>
+                </a:solidFill>
+              </a:endParaRPr>
+            </a:p>
+          </p:txBody>
+        </p:sp>
+        <p:sp>
+          <p:nvSpPr>
+            <p:cNvPr id="33" name="矩形 32">
+              <a:extLst>
+                <a:ext uri="{FF2B5EF4-FFF2-40B4-BE49-F238E27FC236}">
+                  <a16:creationId xmlns:a16="http://schemas.microsoft.com/office/drawing/2014/main" id="{A87C5750-F254-4A16-B46A-C7224B11F707}"/>
+                </a:ext>
+              </a:extLst>
+            </p:cNvPr>
+            <p:cNvSpPr/>
+            <p:nvPr/>
+          </p:nvSpPr>
+          <p:spPr>
+            <a:xfrm>
+              <a:off x="3850345" y="4011701"/>
+              <a:ext cx="636494" cy="582705"/>
+            </a:xfrm>
+            <a:prstGeom prst="rect">
+              <a:avLst/>
+            </a:prstGeom>
+            <a:noFill/>
+            <a:ln>
+              <a:noFill/>
+            </a:ln>
+          </p:spPr>
+          <p:style>
+            <a:lnRef idx="2">
+              <a:schemeClr val="accent1">
+                <a:shade val="50000"/>
+              </a:schemeClr>
+            </a:lnRef>
+            <a:fillRef idx="1">
+              <a:schemeClr val="accent1"/>
+            </a:fillRef>
+            <a:effectRef idx="0">
+              <a:schemeClr val="accent1"/>
+            </a:effectRef>
+            <a:fontRef idx="minor">
+              <a:schemeClr val="lt1"/>
+            </a:fontRef>
+          </p:style>
+          <p:txBody>
+            <a:bodyPr rtlCol="0" anchor="ctr"/>
+            <a:lstStyle/>
+            <a:p>
+              <a:pPr algn="ctr"/>
+              <a:r>
+                <a:rPr lang="en-US" altLang="zh-CN" sz="1200" dirty="0">
+                  <a:solidFill>
+                    <a:schemeClr val="tx1"/>
+                  </a:solidFill>
+                </a:rPr>
+                <a:t>3</a:t>
+              </a:r>
+              <a:endParaRPr lang="zh-CN" altLang="en-US" sz="1200" dirty="0">
+                <a:solidFill>
+                  <a:schemeClr val="tx1"/>
+                </a:solidFill>
+              </a:endParaRPr>
+            </a:p>
+          </p:txBody>
+        </p:sp>
+        <p:sp>
+          <p:nvSpPr>
+            <p:cNvPr id="34" name="矩形 33">
+              <a:extLst>
+                <a:ext uri="{FF2B5EF4-FFF2-40B4-BE49-F238E27FC236}">
+                  <a16:creationId xmlns:a16="http://schemas.microsoft.com/office/drawing/2014/main" id="{179459D6-562F-43B0-AF02-8CD68BBED520}"/>
+                </a:ext>
+              </a:extLst>
+            </p:cNvPr>
+            <p:cNvSpPr/>
+            <p:nvPr/>
+          </p:nvSpPr>
+          <p:spPr>
+            <a:xfrm>
+              <a:off x="9049873" y="4011700"/>
+              <a:ext cx="636494" cy="582705"/>
+            </a:xfrm>
+            <a:prstGeom prst="rect">
+              <a:avLst/>
+            </a:prstGeom>
+            <a:noFill/>
+            <a:ln>
+              <a:noFill/>
+            </a:ln>
+          </p:spPr>
+          <p:style>
+            <a:lnRef idx="2">
+              <a:schemeClr val="accent1">
+                <a:shade val="50000"/>
+              </a:schemeClr>
+            </a:lnRef>
+            <a:fillRef idx="1">
+              <a:schemeClr val="accent1"/>
+            </a:fillRef>
+            <a:effectRef idx="0">
+              <a:schemeClr val="accent1"/>
+            </a:effectRef>
+            <a:fontRef idx="minor">
+              <a:schemeClr val="lt1"/>
+            </a:fontRef>
+          </p:style>
+          <p:txBody>
+            <a:bodyPr rtlCol="0" anchor="ctr"/>
+            <a:lstStyle/>
+            <a:p>
+              <a:pPr algn="ctr"/>
+              <a:r>
+                <a:rPr lang="en-US" altLang="zh-CN" sz="1200" dirty="0">
+                  <a:solidFill>
+                    <a:schemeClr val="tx1"/>
+                  </a:solidFill>
+                </a:rPr>
+                <a:t>7</a:t>
+              </a:r>
+              <a:endParaRPr lang="zh-CN" altLang="en-US" sz="1200" dirty="0">
+                <a:solidFill>
+                  <a:schemeClr val="tx1"/>
+                </a:solidFill>
+              </a:endParaRPr>
+            </a:p>
+          </p:txBody>
+        </p:sp>
+        <p:sp>
+          <p:nvSpPr>
+            <p:cNvPr id="35" name="矩形 34">
+              <a:extLst>
+                <a:ext uri="{FF2B5EF4-FFF2-40B4-BE49-F238E27FC236}">
+                  <a16:creationId xmlns:a16="http://schemas.microsoft.com/office/drawing/2014/main" id="{23586A4F-76BB-4745-AF42-D3D488CA4A41}"/>
+                </a:ext>
+              </a:extLst>
+            </p:cNvPr>
+            <p:cNvSpPr/>
+            <p:nvPr/>
+          </p:nvSpPr>
+          <p:spPr>
+            <a:xfrm>
+              <a:off x="1250581" y="4011702"/>
+              <a:ext cx="636494" cy="582705"/>
+            </a:xfrm>
+            <a:prstGeom prst="rect">
+              <a:avLst/>
+            </a:prstGeom>
+            <a:noFill/>
+            <a:ln>
+              <a:noFill/>
+            </a:ln>
+          </p:spPr>
+          <p:style>
+            <a:lnRef idx="2">
+              <a:schemeClr val="accent1">
+                <a:shade val="50000"/>
+              </a:schemeClr>
+            </a:lnRef>
+            <a:fillRef idx="1">
+              <a:schemeClr val="accent1"/>
+            </a:fillRef>
+            <a:effectRef idx="0">
+              <a:schemeClr val="accent1"/>
+            </a:effectRef>
+            <a:fontRef idx="minor">
+              <a:schemeClr val="lt1"/>
+            </a:fontRef>
+          </p:style>
+          <p:txBody>
+            <a:bodyPr rtlCol="0" anchor="ctr"/>
+            <a:lstStyle/>
+            <a:p>
+              <a:pPr algn="ctr"/>
+              <a:r>
+                <a:rPr lang="en-US" altLang="zh-CN" sz="1200" dirty="0">
+                  <a:solidFill>
+                    <a:schemeClr val="tx1"/>
+                  </a:solidFill>
+                </a:rPr>
+                <a:t>1</a:t>
+              </a:r>
+              <a:endParaRPr lang="zh-CN" altLang="en-US" sz="1200" dirty="0">
+                <a:solidFill>
+                  <a:schemeClr val="tx1"/>
+                </a:solidFill>
+              </a:endParaRPr>
+            </a:p>
+          </p:txBody>
+        </p:sp>
+        <p:sp>
+          <p:nvSpPr>
+            <p:cNvPr id="36" name="矩形 35">
+              <a:extLst>
+                <a:ext uri="{FF2B5EF4-FFF2-40B4-BE49-F238E27FC236}">
+                  <a16:creationId xmlns:a16="http://schemas.microsoft.com/office/drawing/2014/main" id="{354B8BE2-1809-489F-B22C-B78C3ACD4164}"/>
+                </a:ext>
+              </a:extLst>
+            </p:cNvPr>
+            <p:cNvSpPr/>
+            <p:nvPr/>
+          </p:nvSpPr>
+          <p:spPr>
+            <a:xfrm>
+              <a:off x="2550463" y="4011701"/>
+              <a:ext cx="636494" cy="582705"/>
+            </a:xfrm>
+            <a:prstGeom prst="rect">
+              <a:avLst/>
+            </a:prstGeom>
+            <a:noFill/>
+            <a:ln>
+              <a:noFill/>
+            </a:ln>
+          </p:spPr>
+          <p:style>
+            <a:lnRef idx="2">
+              <a:schemeClr val="accent1">
+                <a:shade val="50000"/>
+              </a:schemeClr>
+            </a:lnRef>
+            <a:fillRef idx="1">
+              <a:schemeClr val="accent1"/>
+            </a:fillRef>
+            <a:effectRef idx="0">
+              <a:schemeClr val="accent1"/>
+            </a:effectRef>
+            <a:fontRef idx="minor">
+              <a:schemeClr val="lt1"/>
+            </a:fontRef>
+          </p:style>
+          <p:txBody>
+            <a:bodyPr rtlCol="0" anchor="ctr"/>
+            <a:lstStyle/>
+            <a:p>
+              <a:pPr algn="ctr"/>
+              <a:r>
+                <a:rPr lang="en-US" altLang="zh-CN" sz="1200" dirty="0">
+                  <a:solidFill>
+                    <a:schemeClr val="tx1"/>
+                  </a:solidFill>
+                </a:rPr>
+                <a:t>2</a:t>
+              </a:r>
+              <a:endParaRPr lang="zh-CN" altLang="en-US" sz="1200" dirty="0">
+                <a:solidFill>
+                  <a:schemeClr val="tx1"/>
+                </a:solidFill>
+              </a:endParaRPr>
+            </a:p>
+          </p:txBody>
+        </p:sp>
+        <p:sp>
+          <p:nvSpPr>
+            <p:cNvPr id="37" name="文本框 36">
+              <a:extLst>
+                <a:ext uri="{FF2B5EF4-FFF2-40B4-BE49-F238E27FC236}">
+                  <a16:creationId xmlns:a16="http://schemas.microsoft.com/office/drawing/2014/main" id="{13C69AFC-9487-45D3-ACA0-14B24AF09BB9}"/>
+                </a:ext>
+              </a:extLst>
+            </p:cNvPr>
+            <p:cNvSpPr txBox="1"/>
+            <p:nvPr/>
+          </p:nvSpPr>
+          <p:spPr>
+            <a:xfrm>
+              <a:off x="721664" y="4118386"/>
+              <a:ext cx="703725" cy="307777"/>
+            </a:xfrm>
+            <a:prstGeom prst="rect">
+              <a:avLst/>
+            </a:prstGeom>
+            <a:noFill/>
+          </p:spPr>
+          <p:txBody>
+            <a:bodyPr wrap="square" rtlCol="0">
+              <a:spAutoFit/>
+            </a:bodyPr>
+            <a:lstStyle/>
+            <a:p>
+              <a:r>
+                <a:rPr lang="zh-CN" altLang="en-US" sz="1400" dirty="0"/>
+                <a:t>序号：</a:t>
+              </a:r>
+            </a:p>
+          </p:txBody>
+        </p:sp>
+        <p:sp>
+          <p:nvSpPr>
+            <p:cNvPr id="38" name="文本框 37">
+              <a:extLst>
+                <a:ext uri="{FF2B5EF4-FFF2-40B4-BE49-F238E27FC236}">
+                  <a16:creationId xmlns:a16="http://schemas.microsoft.com/office/drawing/2014/main" id="{1279832A-2CA5-42B8-8FAB-92F94D452105}"/>
+                </a:ext>
+              </a:extLst>
+            </p:cNvPr>
+            <p:cNvSpPr txBox="1"/>
+            <p:nvPr/>
+          </p:nvSpPr>
+          <p:spPr>
+            <a:xfrm>
+              <a:off x="1216965" y="2538521"/>
+              <a:ext cx="703725" cy="307777"/>
+            </a:xfrm>
+            <a:prstGeom prst="rect">
+              <a:avLst/>
+            </a:prstGeom>
+            <a:noFill/>
+          </p:spPr>
+          <p:txBody>
+            <a:bodyPr wrap="square" rtlCol="0">
+              <a:spAutoFit/>
+            </a:bodyPr>
+            <a:lstStyle/>
+            <a:p>
+              <a:pPr algn="ctr"/>
+              <a:r>
+                <a:rPr lang="en-US" altLang="zh-CN" sz="1400" dirty="0"/>
+                <a:t>head</a:t>
+              </a:r>
+              <a:endParaRPr lang="zh-CN" altLang="en-US" sz="1400" dirty="0"/>
+            </a:p>
+          </p:txBody>
+        </p:sp>
+        <p:cxnSp>
+          <p:nvCxnSpPr>
+            <p:cNvPr id="40" name="直接箭头连接符 39">
+              <a:extLst>
+                <a:ext uri="{FF2B5EF4-FFF2-40B4-BE49-F238E27FC236}">
+                  <a16:creationId xmlns:a16="http://schemas.microsoft.com/office/drawing/2014/main" id="{C5FF7E22-4825-4073-AA69-8EA247658D83}"/>
+                </a:ext>
+              </a:extLst>
+            </p:cNvPr>
+            <p:cNvCxnSpPr>
+              <a:stCxn id="38" idx="2"/>
+              <a:endCxn id="24" idx="0"/>
+            </p:cNvCxnSpPr>
+            <p:nvPr/>
+          </p:nvCxnSpPr>
+          <p:spPr>
+            <a:xfrm>
+              <a:off x="1568828" y="2846298"/>
+              <a:ext cx="0" cy="582702"/>
+            </a:xfrm>
+            <a:prstGeom prst="straightConnector1">
+              <a:avLst/>
+            </a:prstGeom>
+            <a:ln>
+              <a:tailEnd type="triangle"/>
+            </a:ln>
+          </p:spPr>
+          <p:style>
+            <a:lnRef idx="1">
+              <a:schemeClr val="accent1"/>
+            </a:lnRef>
+            <a:fillRef idx="0">
+              <a:schemeClr val="accent1"/>
+            </a:fillRef>
+            <a:effectRef idx="0">
+              <a:schemeClr val="accent1"/>
+            </a:effectRef>
+            <a:fontRef idx="minor">
+              <a:schemeClr val="tx1"/>
+            </a:fontRef>
+          </p:style>
+        </p:cxnSp>
+        <p:sp>
+          <p:nvSpPr>
+            <p:cNvPr id="39" name="矩形 38">
+              <a:extLst>
+                <a:ext uri="{FF2B5EF4-FFF2-40B4-BE49-F238E27FC236}">
+                  <a16:creationId xmlns:a16="http://schemas.microsoft.com/office/drawing/2014/main" id="{AF92D22C-DB96-4408-9762-9C0669969593}"/>
+                </a:ext>
+              </a:extLst>
+            </p:cNvPr>
+            <p:cNvSpPr/>
+            <p:nvPr/>
+          </p:nvSpPr>
+          <p:spPr>
+            <a:xfrm>
+              <a:off x="-49301" y="3428995"/>
+              <a:ext cx="636494" cy="582705"/>
+            </a:xfrm>
+            <a:prstGeom prst="rect">
+              <a:avLst/>
+            </a:prstGeom>
+            <a:solidFill>
+              <a:schemeClr val="accent1"/>
+            </a:solidFill>
+            <a:ln>
+              <a:solidFill>
+                <a:schemeClr val="accent1">
+                  <a:lumMod val="50000"/>
+                </a:schemeClr>
+              </a:solidFill>
+            </a:ln>
+          </p:spPr>
+          <p:style>
+            <a:lnRef idx="2">
+              <a:schemeClr val="accent1">
+                <a:shade val="50000"/>
+              </a:schemeClr>
+            </a:lnRef>
+            <a:fillRef idx="1">
+              <a:schemeClr val="accent1"/>
+            </a:fillRef>
+            <a:effectRef idx="0">
+              <a:schemeClr val="accent1"/>
+            </a:effectRef>
+            <a:fontRef idx="minor">
+              <a:schemeClr val="lt1"/>
+            </a:fontRef>
+          </p:style>
+          <p:txBody>
+            <a:bodyPr rtlCol="0" anchor="ctr"/>
+            <a:lstStyle/>
+            <a:p>
+              <a:pPr algn="ctr"/>
+              <a:r>
+                <a:rPr lang="en-US" altLang="zh-CN" dirty="0"/>
+                <a:t>-1</a:t>
+              </a:r>
+              <a:endParaRPr lang="zh-CN" altLang="en-US" dirty="0"/>
+            </a:p>
+          </p:txBody>
+        </p:sp>
+        <p:cxnSp>
+          <p:nvCxnSpPr>
+            <p:cNvPr id="42" name="直接箭头连接符 41">
+              <a:extLst>
+                <a:ext uri="{FF2B5EF4-FFF2-40B4-BE49-F238E27FC236}">
+                  <a16:creationId xmlns:a16="http://schemas.microsoft.com/office/drawing/2014/main" id="{665CA2D2-622F-4417-97D4-6B2BD592368A}"/>
+                </a:ext>
+              </a:extLst>
+            </p:cNvPr>
+            <p:cNvCxnSpPr/>
+            <p:nvPr/>
+          </p:nvCxnSpPr>
+          <p:spPr>
+            <a:xfrm>
+              <a:off x="587193" y="3720347"/>
+              <a:ext cx="663388" cy="0"/>
+            </a:xfrm>
+            <a:prstGeom prst="straightConnector1">
+              <a:avLst/>
+            </a:prstGeom>
+            <a:ln w="19050">
               <a:solidFill>
                 <a:schemeClr val="tx1"/>
               </a:solidFill>
-            </a:endParaRPr>
-          </a:p>
-        </p:txBody>
-      </p:sp>
-      <p:sp>
-        <p:nvSpPr>
-          <p:cNvPr id="29" name="矩形 28">
-            <a:extLst>
-              <a:ext uri="{FF2B5EF4-FFF2-40B4-BE49-F238E27FC236}">
-                <a16:creationId xmlns:a16="http://schemas.microsoft.com/office/drawing/2014/main" id="{2A6AB5F4-D2DE-4FB7-B239-E8CB1474A287}"/>
-              </a:ext>
-            </a:extLst>
-          </p:cNvPr>
-          <p:cNvSpPr/>
-          <p:nvPr/>
-        </p:nvSpPr>
-        <p:spPr>
-          <a:xfrm>
-            <a:off x="6450109" y="4011700"/>
-            <a:ext cx="636494" cy="582705"/>
-          </a:xfrm>
-          <a:prstGeom prst="rect">
-            <a:avLst/>
-          </a:prstGeom>
-          <a:noFill/>
-          <a:ln>
+              <a:tailEnd type="triangle"/>
+            </a:ln>
+          </p:spPr>
+          <p:style>
+            <a:lnRef idx="1">
+              <a:schemeClr val="accent1"/>
+            </a:lnRef>
+            <a:fillRef idx="0">
+              <a:schemeClr val="accent1"/>
+            </a:fillRef>
+            <a:effectRef idx="0">
+              <a:schemeClr val="accent1"/>
+            </a:effectRef>
+            <a:fontRef idx="minor">
+              <a:schemeClr val="tx1"/>
+            </a:fontRef>
+          </p:style>
+        </p:cxnSp>
+        <p:sp>
+          <p:nvSpPr>
+            <p:cNvPr id="43" name="文本框 42">
+              <a:extLst>
+                <a:ext uri="{FF2B5EF4-FFF2-40B4-BE49-F238E27FC236}">
+                  <a16:creationId xmlns:a16="http://schemas.microsoft.com/office/drawing/2014/main" id="{1F03B5DF-3F2D-498E-9251-2351B096DB63}"/>
+                </a:ext>
+              </a:extLst>
+            </p:cNvPr>
+            <p:cNvSpPr txBox="1"/>
+            <p:nvPr/>
+          </p:nvSpPr>
+          <p:spPr>
+            <a:xfrm>
+              <a:off x="-208425" y="2538521"/>
+              <a:ext cx="954742" cy="307777"/>
+            </a:xfrm>
+            <a:prstGeom prst="rect">
+              <a:avLst/>
+            </a:prstGeom>
             <a:noFill/>
-          </a:ln>
-        </p:spPr>
-        <p:style>
-          <a:lnRef idx="2">
-            <a:schemeClr val="accent1">
-              <a:shade val="50000"/>
-            </a:schemeClr>
-          </a:lnRef>
-          <a:fillRef idx="1">
-            <a:schemeClr val="accent1"/>
-          </a:fillRef>
-          <a:effectRef idx="0">
-            <a:schemeClr val="accent1"/>
-          </a:effectRef>
-          <a:fontRef idx="minor">
-            <a:schemeClr val="lt1"/>
-          </a:fontRef>
-        </p:style>
-        <p:txBody>
-          <a:bodyPr rtlCol="0" anchor="ctr"/>
-          <a:lstStyle/>
-          <a:p>
-            <a:pPr algn="ctr"/>
-            <a:r>
-              <a:rPr lang="en-US" altLang="zh-CN" sz="1200" dirty="0">
-                <a:solidFill>
-                  <a:schemeClr val="tx1"/>
-                </a:solidFill>
-              </a:rPr>
-              <a:t>5</a:t>
-            </a:r>
-            <a:endParaRPr lang="zh-CN" altLang="en-US" sz="1200" dirty="0">
-              <a:solidFill>
-                <a:schemeClr val="tx1"/>
-              </a:solidFill>
-            </a:endParaRPr>
-          </a:p>
-        </p:txBody>
-      </p:sp>
-      <p:sp>
-        <p:nvSpPr>
-          <p:cNvPr id="30" name="矩形 29">
-            <a:extLst>
-              <a:ext uri="{FF2B5EF4-FFF2-40B4-BE49-F238E27FC236}">
-                <a16:creationId xmlns:a16="http://schemas.microsoft.com/office/drawing/2014/main" id="{02C36AEF-4AC2-4CD6-9188-656CC925F8A9}"/>
-              </a:ext>
-            </a:extLst>
-          </p:cNvPr>
-          <p:cNvSpPr/>
-          <p:nvPr/>
-        </p:nvSpPr>
-        <p:spPr>
-          <a:xfrm>
-            <a:off x="10349755" y="4011700"/>
-            <a:ext cx="636494" cy="582705"/>
-          </a:xfrm>
-          <a:prstGeom prst="rect">
-            <a:avLst/>
-          </a:prstGeom>
-          <a:noFill/>
-          <a:ln>
-            <a:noFill/>
-          </a:ln>
-        </p:spPr>
-        <p:style>
-          <a:lnRef idx="2">
-            <a:schemeClr val="accent1">
-              <a:shade val="50000"/>
-            </a:schemeClr>
-          </a:lnRef>
-          <a:fillRef idx="1">
-            <a:schemeClr val="accent1"/>
-          </a:fillRef>
-          <a:effectRef idx="0">
-            <a:schemeClr val="accent1"/>
-          </a:effectRef>
-          <a:fontRef idx="minor">
-            <a:schemeClr val="lt1"/>
-          </a:fontRef>
-        </p:style>
-        <p:txBody>
-          <a:bodyPr rtlCol="0" anchor="ctr"/>
-          <a:lstStyle/>
-          <a:p>
-            <a:pPr algn="ctr"/>
-            <a:r>
-              <a:rPr lang="en-US" altLang="zh-CN" sz="1200" dirty="0">
-                <a:solidFill>
-                  <a:schemeClr val="tx1"/>
-                </a:solidFill>
-              </a:rPr>
-              <a:t>8</a:t>
-            </a:r>
-            <a:endParaRPr lang="zh-CN" altLang="en-US" sz="1200" dirty="0">
-              <a:solidFill>
-                <a:schemeClr val="tx1"/>
-              </a:solidFill>
-            </a:endParaRPr>
-          </a:p>
-        </p:txBody>
-      </p:sp>
-      <p:sp>
-        <p:nvSpPr>
-          <p:cNvPr id="31" name="矩形 30">
-            <a:extLst>
-              <a:ext uri="{FF2B5EF4-FFF2-40B4-BE49-F238E27FC236}">
-                <a16:creationId xmlns:a16="http://schemas.microsoft.com/office/drawing/2014/main" id="{CE0F030F-8718-437F-95C4-F9D1DC510FF5}"/>
-              </a:ext>
-            </a:extLst>
-          </p:cNvPr>
-          <p:cNvSpPr/>
-          <p:nvPr/>
-        </p:nvSpPr>
-        <p:spPr>
-          <a:xfrm>
-            <a:off x="7749991" y="4011700"/>
-            <a:ext cx="636494" cy="582705"/>
-          </a:xfrm>
-          <a:prstGeom prst="rect">
-            <a:avLst/>
-          </a:prstGeom>
-          <a:noFill/>
-          <a:ln>
-            <a:noFill/>
-          </a:ln>
-        </p:spPr>
-        <p:style>
-          <a:lnRef idx="2">
-            <a:schemeClr val="accent1">
-              <a:shade val="50000"/>
-            </a:schemeClr>
-          </a:lnRef>
-          <a:fillRef idx="1">
-            <a:schemeClr val="accent1"/>
-          </a:fillRef>
-          <a:effectRef idx="0">
-            <a:schemeClr val="accent1"/>
-          </a:effectRef>
-          <a:fontRef idx="minor">
-            <a:schemeClr val="lt1"/>
-          </a:fontRef>
-        </p:style>
-        <p:txBody>
-          <a:bodyPr rtlCol="0" anchor="ctr"/>
-          <a:lstStyle/>
-          <a:p>
-            <a:pPr algn="ctr"/>
-            <a:r>
-              <a:rPr lang="en-US" altLang="zh-CN" sz="1200" dirty="0">
-                <a:solidFill>
-                  <a:schemeClr val="tx1"/>
-                </a:solidFill>
-              </a:rPr>
-              <a:t>6</a:t>
-            </a:r>
-            <a:endParaRPr lang="zh-CN" altLang="en-US" sz="1200" dirty="0">
-              <a:solidFill>
-                <a:schemeClr val="tx1"/>
-              </a:solidFill>
-            </a:endParaRPr>
-          </a:p>
-        </p:txBody>
-      </p:sp>
-      <p:sp>
-        <p:nvSpPr>
-          <p:cNvPr id="32" name="矩形 31">
-            <a:extLst>
-              <a:ext uri="{FF2B5EF4-FFF2-40B4-BE49-F238E27FC236}">
-                <a16:creationId xmlns:a16="http://schemas.microsoft.com/office/drawing/2014/main" id="{45F8FEBC-A6FA-4955-A5C3-3DB49C5038B4}"/>
-              </a:ext>
-            </a:extLst>
-          </p:cNvPr>
-          <p:cNvSpPr/>
-          <p:nvPr/>
-        </p:nvSpPr>
-        <p:spPr>
-          <a:xfrm>
-            <a:off x="5150227" y="4011701"/>
-            <a:ext cx="636494" cy="582705"/>
-          </a:xfrm>
-          <a:prstGeom prst="rect">
-            <a:avLst/>
-          </a:prstGeom>
-          <a:noFill/>
-          <a:ln>
-            <a:noFill/>
-          </a:ln>
-        </p:spPr>
-        <p:style>
-          <a:lnRef idx="2">
-            <a:schemeClr val="accent1">
-              <a:shade val="50000"/>
-            </a:schemeClr>
-          </a:lnRef>
-          <a:fillRef idx="1">
-            <a:schemeClr val="accent1"/>
-          </a:fillRef>
-          <a:effectRef idx="0">
-            <a:schemeClr val="accent1"/>
-          </a:effectRef>
-          <a:fontRef idx="minor">
-            <a:schemeClr val="lt1"/>
-          </a:fontRef>
-        </p:style>
-        <p:txBody>
-          <a:bodyPr rtlCol="0" anchor="ctr"/>
-          <a:lstStyle/>
-          <a:p>
-            <a:pPr algn="ctr"/>
-            <a:r>
-              <a:rPr lang="en-US" altLang="zh-CN" sz="1200" dirty="0">
-                <a:solidFill>
-                  <a:schemeClr val="tx1"/>
-                </a:solidFill>
-              </a:rPr>
-              <a:t>4</a:t>
-            </a:r>
-            <a:endParaRPr lang="zh-CN" altLang="en-US" sz="1200" dirty="0">
-              <a:solidFill>
-                <a:schemeClr val="tx1"/>
-              </a:solidFill>
-            </a:endParaRPr>
-          </a:p>
-        </p:txBody>
-      </p:sp>
-      <p:sp>
-        <p:nvSpPr>
-          <p:cNvPr id="33" name="矩形 32">
-            <a:extLst>
-              <a:ext uri="{FF2B5EF4-FFF2-40B4-BE49-F238E27FC236}">
-                <a16:creationId xmlns:a16="http://schemas.microsoft.com/office/drawing/2014/main" id="{A87C5750-F254-4A16-B46A-C7224B11F707}"/>
-              </a:ext>
-            </a:extLst>
-          </p:cNvPr>
-          <p:cNvSpPr/>
-          <p:nvPr/>
-        </p:nvSpPr>
-        <p:spPr>
-          <a:xfrm>
-            <a:off x="3850345" y="4011701"/>
-            <a:ext cx="636494" cy="582705"/>
-          </a:xfrm>
-          <a:prstGeom prst="rect">
-            <a:avLst/>
-          </a:prstGeom>
-          <a:noFill/>
-          <a:ln>
-            <a:noFill/>
-          </a:ln>
-        </p:spPr>
-        <p:style>
-          <a:lnRef idx="2">
-            <a:schemeClr val="accent1">
-              <a:shade val="50000"/>
-            </a:schemeClr>
-          </a:lnRef>
-          <a:fillRef idx="1">
-            <a:schemeClr val="accent1"/>
-          </a:fillRef>
-          <a:effectRef idx="0">
-            <a:schemeClr val="accent1"/>
-          </a:effectRef>
-          <a:fontRef idx="minor">
-            <a:schemeClr val="lt1"/>
-          </a:fontRef>
-        </p:style>
-        <p:txBody>
-          <a:bodyPr rtlCol="0" anchor="ctr"/>
-          <a:lstStyle/>
-          <a:p>
-            <a:pPr algn="ctr"/>
-            <a:r>
-              <a:rPr lang="en-US" altLang="zh-CN" sz="1200" dirty="0">
-                <a:solidFill>
-                  <a:schemeClr val="tx1"/>
-                </a:solidFill>
-              </a:rPr>
-              <a:t>3</a:t>
-            </a:r>
-            <a:endParaRPr lang="zh-CN" altLang="en-US" sz="1200" dirty="0">
-              <a:solidFill>
-                <a:schemeClr val="tx1"/>
-              </a:solidFill>
-            </a:endParaRPr>
-          </a:p>
-        </p:txBody>
-      </p:sp>
-      <p:sp>
-        <p:nvSpPr>
-          <p:cNvPr id="34" name="矩形 33">
-            <a:extLst>
-              <a:ext uri="{FF2B5EF4-FFF2-40B4-BE49-F238E27FC236}">
-                <a16:creationId xmlns:a16="http://schemas.microsoft.com/office/drawing/2014/main" id="{179459D6-562F-43B0-AF02-8CD68BBED520}"/>
-              </a:ext>
-            </a:extLst>
-          </p:cNvPr>
-          <p:cNvSpPr/>
-          <p:nvPr/>
-        </p:nvSpPr>
-        <p:spPr>
-          <a:xfrm>
-            <a:off x="9049873" y="4011700"/>
-            <a:ext cx="636494" cy="582705"/>
-          </a:xfrm>
-          <a:prstGeom prst="rect">
-            <a:avLst/>
-          </a:prstGeom>
-          <a:noFill/>
-          <a:ln>
-            <a:noFill/>
-          </a:ln>
-        </p:spPr>
-        <p:style>
-          <a:lnRef idx="2">
-            <a:schemeClr val="accent1">
-              <a:shade val="50000"/>
-            </a:schemeClr>
-          </a:lnRef>
-          <a:fillRef idx="1">
-            <a:schemeClr val="accent1"/>
-          </a:fillRef>
-          <a:effectRef idx="0">
-            <a:schemeClr val="accent1"/>
-          </a:effectRef>
-          <a:fontRef idx="minor">
-            <a:schemeClr val="lt1"/>
-          </a:fontRef>
-        </p:style>
-        <p:txBody>
-          <a:bodyPr rtlCol="0" anchor="ctr"/>
-          <a:lstStyle/>
-          <a:p>
-            <a:pPr algn="ctr"/>
-            <a:r>
-              <a:rPr lang="en-US" altLang="zh-CN" sz="1200" dirty="0">
-                <a:solidFill>
-                  <a:schemeClr val="tx1"/>
-                </a:solidFill>
-              </a:rPr>
-              <a:t>7</a:t>
-            </a:r>
-            <a:endParaRPr lang="zh-CN" altLang="en-US" sz="1200" dirty="0">
-              <a:solidFill>
-                <a:schemeClr val="tx1"/>
-              </a:solidFill>
-            </a:endParaRPr>
-          </a:p>
-        </p:txBody>
-      </p:sp>
-      <p:sp>
-        <p:nvSpPr>
-          <p:cNvPr id="35" name="矩形 34">
-            <a:extLst>
-              <a:ext uri="{FF2B5EF4-FFF2-40B4-BE49-F238E27FC236}">
-                <a16:creationId xmlns:a16="http://schemas.microsoft.com/office/drawing/2014/main" id="{23586A4F-76BB-4745-AF42-D3D488CA4A41}"/>
-              </a:ext>
-            </a:extLst>
-          </p:cNvPr>
-          <p:cNvSpPr/>
-          <p:nvPr/>
-        </p:nvSpPr>
-        <p:spPr>
-          <a:xfrm>
-            <a:off x="1250581" y="4011702"/>
-            <a:ext cx="636494" cy="582705"/>
-          </a:xfrm>
-          <a:prstGeom prst="rect">
-            <a:avLst/>
-          </a:prstGeom>
-          <a:noFill/>
-          <a:ln>
-            <a:noFill/>
-          </a:ln>
-        </p:spPr>
-        <p:style>
-          <a:lnRef idx="2">
-            <a:schemeClr val="accent1">
-              <a:shade val="50000"/>
-            </a:schemeClr>
-          </a:lnRef>
-          <a:fillRef idx="1">
-            <a:schemeClr val="accent1"/>
-          </a:fillRef>
-          <a:effectRef idx="0">
-            <a:schemeClr val="accent1"/>
-          </a:effectRef>
-          <a:fontRef idx="minor">
-            <a:schemeClr val="lt1"/>
-          </a:fontRef>
-        </p:style>
-        <p:txBody>
-          <a:bodyPr rtlCol="0" anchor="ctr"/>
-          <a:lstStyle/>
-          <a:p>
-            <a:pPr algn="ctr"/>
-            <a:r>
-              <a:rPr lang="en-US" altLang="zh-CN" sz="1200" dirty="0">
-                <a:solidFill>
-                  <a:schemeClr val="tx1"/>
-                </a:solidFill>
-              </a:rPr>
-              <a:t>1</a:t>
-            </a:r>
-            <a:endParaRPr lang="zh-CN" altLang="en-US" sz="1200" dirty="0">
-              <a:solidFill>
-                <a:schemeClr val="tx1"/>
-              </a:solidFill>
-            </a:endParaRPr>
-          </a:p>
-        </p:txBody>
-      </p:sp>
-      <p:sp>
-        <p:nvSpPr>
-          <p:cNvPr id="36" name="矩形 35">
-            <a:extLst>
-              <a:ext uri="{FF2B5EF4-FFF2-40B4-BE49-F238E27FC236}">
-                <a16:creationId xmlns:a16="http://schemas.microsoft.com/office/drawing/2014/main" id="{354B8BE2-1809-489F-B22C-B78C3ACD4164}"/>
-              </a:ext>
-            </a:extLst>
-          </p:cNvPr>
-          <p:cNvSpPr/>
-          <p:nvPr/>
-        </p:nvSpPr>
-        <p:spPr>
-          <a:xfrm>
-            <a:off x="2550463" y="4011701"/>
-            <a:ext cx="636494" cy="582705"/>
-          </a:xfrm>
-          <a:prstGeom prst="rect">
-            <a:avLst/>
-          </a:prstGeom>
-          <a:noFill/>
-          <a:ln>
-            <a:noFill/>
-          </a:ln>
-        </p:spPr>
-        <p:style>
-          <a:lnRef idx="2">
-            <a:schemeClr val="accent1">
-              <a:shade val="50000"/>
-            </a:schemeClr>
-          </a:lnRef>
-          <a:fillRef idx="1">
-            <a:schemeClr val="accent1"/>
-          </a:fillRef>
-          <a:effectRef idx="0">
-            <a:schemeClr val="accent1"/>
-          </a:effectRef>
-          <a:fontRef idx="minor">
-            <a:schemeClr val="lt1"/>
-          </a:fontRef>
-        </p:style>
-        <p:txBody>
-          <a:bodyPr rtlCol="0" anchor="ctr"/>
-          <a:lstStyle/>
-          <a:p>
-            <a:pPr algn="ctr"/>
-            <a:r>
-              <a:rPr lang="en-US" altLang="zh-CN" sz="1200" dirty="0">
-                <a:solidFill>
-                  <a:schemeClr val="tx1"/>
-                </a:solidFill>
-              </a:rPr>
-              <a:t>2</a:t>
-            </a:r>
-            <a:endParaRPr lang="zh-CN" altLang="en-US" sz="1200" dirty="0">
-              <a:solidFill>
-                <a:schemeClr val="tx1"/>
-              </a:solidFill>
-            </a:endParaRPr>
-          </a:p>
-        </p:txBody>
-      </p:sp>
-      <p:sp>
-        <p:nvSpPr>
-          <p:cNvPr id="37" name="文本框 36">
-            <a:extLst>
-              <a:ext uri="{FF2B5EF4-FFF2-40B4-BE49-F238E27FC236}">
-                <a16:creationId xmlns:a16="http://schemas.microsoft.com/office/drawing/2014/main" id="{13C69AFC-9487-45D3-ACA0-14B24AF09BB9}"/>
-              </a:ext>
-            </a:extLst>
-          </p:cNvPr>
-          <p:cNvSpPr txBox="1"/>
-          <p:nvPr/>
-        </p:nvSpPr>
-        <p:spPr>
-          <a:xfrm>
-            <a:off x="721664" y="4118386"/>
-            <a:ext cx="703725" cy="307777"/>
-          </a:xfrm>
-          <a:prstGeom prst="rect">
-            <a:avLst/>
-          </a:prstGeom>
-          <a:noFill/>
-        </p:spPr>
-        <p:txBody>
-          <a:bodyPr wrap="square" rtlCol="0">
-            <a:spAutoFit/>
-          </a:bodyPr>
-          <a:lstStyle/>
-          <a:p>
-            <a:r>
-              <a:rPr lang="zh-CN" altLang="en-US" sz="1400" dirty="0"/>
-              <a:t>序号：</a:t>
-            </a:r>
-          </a:p>
-        </p:txBody>
-      </p:sp>
-      <p:sp>
-        <p:nvSpPr>
-          <p:cNvPr id="38" name="文本框 37">
-            <a:extLst>
-              <a:ext uri="{FF2B5EF4-FFF2-40B4-BE49-F238E27FC236}">
-                <a16:creationId xmlns:a16="http://schemas.microsoft.com/office/drawing/2014/main" id="{1279832A-2CA5-42B8-8FAB-92F94D452105}"/>
-              </a:ext>
-            </a:extLst>
-          </p:cNvPr>
-          <p:cNvSpPr txBox="1"/>
-          <p:nvPr/>
-        </p:nvSpPr>
-        <p:spPr>
-          <a:xfrm>
-            <a:off x="1216965" y="2538521"/>
-            <a:ext cx="703725" cy="307777"/>
-          </a:xfrm>
-          <a:prstGeom prst="rect">
-            <a:avLst/>
-          </a:prstGeom>
-          <a:noFill/>
-        </p:spPr>
-        <p:txBody>
-          <a:bodyPr wrap="square" rtlCol="0">
-            <a:spAutoFit/>
-          </a:bodyPr>
-          <a:lstStyle/>
-          <a:p>
-            <a:pPr algn="ctr"/>
-            <a:r>
-              <a:rPr lang="en-US" altLang="zh-CN" sz="1400" dirty="0"/>
-              <a:t>head</a:t>
-            </a:r>
-            <a:endParaRPr lang="zh-CN" altLang="en-US" sz="1400" dirty="0"/>
-          </a:p>
-        </p:txBody>
-      </p:sp>
-      <p:cxnSp>
-        <p:nvCxnSpPr>
-          <p:cNvPr id="40" name="直接箭头连接符 39">
-            <a:extLst>
-              <a:ext uri="{FF2B5EF4-FFF2-40B4-BE49-F238E27FC236}">
-                <a16:creationId xmlns:a16="http://schemas.microsoft.com/office/drawing/2014/main" id="{C5FF7E22-4825-4073-AA69-8EA247658D83}"/>
-              </a:ext>
-            </a:extLst>
-          </p:cNvPr>
-          <p:cNvCxnSpPr>
-            <a:stCxn id="38" idx="2"/>
-            <a:endCxn id="24" idx="0"/>
-          </p:cNvCxnSpPr>
-          <p:nvPr/>
-        </p:nvCxnSpPr>
-        <p:spPr>
-          <a:xfrm>
-            <a:off x="1568828" y="2846298"/>
-            <a:ext cx="0" cy="582702"/>
-          </a:xfrm>
-          <a:prstGeom prst="straightConnector1">
-            <a:avLst/>
-          </a:prstGeom>
-          <a:ln>
-            <a:tailEnd type="triangle"/>
-          </a:ln>
-        </p:spPr>
-        <p:style>
-          <a:lnRef idx="1">
-            <a:schemeClr val="accent1"/>
-          </a:lnRef>
-          <a:fillRef idx="0">
-            <a:schemeClr val="accent1"/>
-          </a:fillRef>
-          <a:effectRef idx="0">
-            <a:schemeClr val="accent1"/>
-          </a:effectRef>
-          <a:fontRef idx="minor">
-            <a:schemeClr val="tx1"/>
-          </a:fontRef>
-        </p:style>
-      </p:cxnSp>
-      <p:sp>
-        <p:nvSpPr>
-          <p:cNvPr id="39" name="矩形 38">
-            <a:extLst>
-              <a:ext uri="{FF2B5EF4-FFF2-40B4-BE49-F238E27FC236}">
-                <a16:creationId xmlns:a16="http://schemas.microsoft.com/office/drawing/2014/main" id="{AF92D22C-DB96-4408-9762-9C0669969593}"/>
-              </a:ext>
-            </a:extLst>
-          </p:cNvPr>
-          <p:cNvSpPr/>
-          <p:nvPr/>
-        </p:nvSpPr>
-        <p:spPr>
-          <a:xfrm>
-            <a:off x="-49301" y="3428995"/>
-            <a:ext cx="636494" cy="582705"/>
-          </a:xfrm>
-          <a:prstGeom prst="rect">
-            <a:avLst/>
-          </a:prstGeom>
-          <a:solidFill>
-            <a:schemeClr val="accent1"/>
-          </a:solidFill>
-          <a:ln>
-            <a:solidFill>
-              <a:schemeClr val="accent1">
-                <a:lumMod val="50000"/>
-              </a:schemeClr>
-            </a:solidFill>
-          </a:ln>
-        </p:spPr>
-        <p:style>
-          <a:lnRef idx="2">
-            <a:schemeClr val="accent1">
-              <a:shade val="50000"/>
-            </a:schemeClr>
-          </a:lnRef>
-          <a:fillRef idx="1">
-            <a:schemeClr val="accent1"/>
-          </a:fillRef>
-          <a:effectRef idx="0">
-            <a:schemeClr val="accent1"/>
-          </a:effectRef>
-          <a:fontRef idx="minor">
-            <a:schemeClr val="lt1"/>
-          </a:fontRef>
-        </p:style>
-        <p:txBody>
-          <a:bodyPr rtlCol="0" anchor="ctr"/>
-          <a:lstStyle/>
-          <a:p>
-            <a:pPr algn="ctr"/>
-            <a:r>
-              <a:rPr lang="en-US" altLang="zh-CN" dirty="0"/>
-              <a:t>-1</a:t>
-            </a:r>
-            <a:endParaRPr lang="zh-CN" altLang="en-US" dirty="0"/>
-          </a:p>
-        </p:txBody>
-      </p:sp>
-      <p:cxnSp>
-        <p:nvCxnSpPr>
-          <p:cNvPr id="42" name="直接箭头连接符 41">
-            <a:extLst>
-              <a:ext uri="{FF2B5EF4-FFF2-40B4-BE49-F238E27FC236}">
-                <a16:creationId xmlns:a16="http://schemas.microsoft.com/office/drawing/2014/main" id="{665CA2D2-622F-4417-97D4-6B2BD592368A}"/>
-              </a:ext>
-            </a:extLst>
-          </p:cNvPr>
-          <p:cNvCxnSpPr/>
-          <p:nvPr/>
-        </p:nvCxnSpPr>
-        <p:spPr>
-          <a:xfrm>
-            <a:off x="587193" y="3720347"/>
-            <a:ext cx="663388" cy="0"/>
-          </a:xfrm>
-          <a:prstGeom prst="straightConnector1">
-            <a:avLst/>
-          </a:prstGeom>
-          <a:ln w="19050">
-            <a:solidFill>
+          </p:spPr>
+          <p:txBody>
+            <a:bodyPr wrap="square" rtlCol="0">
+              <a:spAutoFit/>
+            </a:bodyPr>
+            <a:lstStyle/>
+            <a:p>
+              <a:pPr algn="ctr"/>
+              <a:r>
+                <a:rPr lang="en-US" altLang="zh-CN" sz="1400" dirty="0" err="1"/>
+                <a:t>headPre</a:t>
+              </a:r>
+              <a:endParaRPr lang="zh-CN" altLang="en-US" sz="1400" dirty="0"/>
+            </a:p>
+          </p:txBody>
+        </p:sp>
+        <p:cxnSp>
+          <p:nvCxnSpPr>
+            <p:cNvPr id="45" name="直接箭头连接符 44">
+              <a:extLst>
+                <a:ext uri="{FF2B5EF4-FFF2-40B4-BE49-F238E27FC236}">
+                  <a16:creationId xmlns:a16="http://schemas.microsoft.com/office/drawing/2014/main" id="{A45445F5-F7A9-4166-B2F3-065E43EBD7D6}"/>
+                </a:ext>
+              </a:extLst>
+            </p:cNvPr>
+            <p:cNvCxnSpPr/>
+            <p:nvPr/>
+          </p:nvCxnSpPr>
+          <p:spPr>
+            <a:xfrm>
+              <a:off x="268946" y="2846293"/>
+              <a:ext cx="0" cy="582702"/>
+            </a:xfrm>
+            <a:prstGeom prst="straightConnector1">
+              <a:avLst/>
+            </a:prstGeom>
+            <a:ln>
+              <a:tailEnd type="triangle"/>
+            </a:ln>
+          </p:spPr>
+          <p:style>
+            <a:lnRef idx="1">
+              <a:schemeClr val="accent1"/>
+            </a:lnRef>
+            <a:fillRef idx="0">
+              <a:schemeClr val="accent1"/>
+            </a:fillRef>
+            <a:effectRef idx="0">
+              <a:schemeClr val="accent1"/>
+            </a:effectRef>
+            <a:fontRef idx="minor">
               <a:schemeClr val="tx1"/>
-            </a:solidFill>
-            <a:tailEnd type="triangle"/>
-          </a:ln>
-        </p:spPr>
-        <p:style>
-          <a:lnRef idx="1">
-            <a:schemeClr val="accent1"/>
-          </a:lnRef>
-          <a:fillRef idx="0">
-            <a:schemeClr val="accent1"/>
-          </a:fillRef>
-          <a:effectRef idx="0">
-            <a:schemeClr val="accent1"/>
-          </a:effectRef>
-          <a:fontRef idx="minor">
-            <a:schemeClr val="tx1"/>
-          </a:fontRef>
-        </p:style>
-      </p:cxnSp>
-      <p:sp>
-        <p:nvSpPr>
-          <p:cNvPr id="43" name="文本框 42">
-            <a:extLst>
-              <a:ext uri="{FF2B5EF4-FFF2-40B4-BE49-F238E27FC236}">
-                <a16:creationId xmlns:a16="http://schemas.microsoft.com/office/drawing/2014/main" id="{1F03B5DF-3F2D-498E-9251-2351B096DB63}"/>
-              </a:ext>
-            </a:extLst>
-          </p:cNvPr>
-          <p:cNvSpPr txBox="1"/>
-          <p:nvPr/>
-        </p:nvSpPr>
-        <p:spPr>
-          <a:xfrm>
-            <a:off x="-208425" y="2538521"/>
-            <a:ext cx="954742" cy="307777"/>
-          </a:xfrm>
-          <a:prstGeom prst="rect">
-            <a:avLst/>
-          </a:prstGeom>
-          <a:noFill/>
-        </p:spPr>
-        <p:txBody>
-          <a:bodyPr wrap="square" rtlCol="0">
-            <a:spAutoFit/>
-          </a:bodyPr>
-          <a:lstStyle/>
-          <a:p>
-            <a:pPr algn="ctr"/>
-            <a:r>
-              <a:rPr lang="en-US" altLang="zh-CN" sz="1400" dirty="0" err="1"/>
-              <a:t>headPre</a:t>
-            </a:r>
-            <a:endParaRPr lang="zh-CN" altLang="en-US" sz="1400" dirty="0"/>
-          </a:p>
-        </p:txBody>
-      </p:sp>
-      <p:cxnSp>
-        <p:nvCxnSpPr>
-          <p:cNvPr id="45" name="直接箭头连接符 44">
-            <a:extLst>
-              <a:ext uri="{FF2B5EF4-FFF2-40B4-BE49-F238E27FC236}">
-                <a16:creationId xmlns:a16="http://schemas.microsoft.com/office/drawing/2014/main" id="{A45445F5-F7A9-4166-B2F3-065E43EBD7D6}"/>
-              </a:ext>
-            </a:extLst>
-          </p:cNvPr>
-          <p:cNvCxnSpPr/>
-          <p:nvPr/>
-        </p:nvCxnSpPr>
-        <p:spPr>
-          <a:xfrm>
-            <a:off x="268946" y="2846293"/>
-            <a:ext cx="0" cy="582702"/>
-          </a:xfrm>
-          <a:prstGeom prst="straightConnector1">
-            <a:avLst/>
-          </a:prstGeom>
-          <a:ln>
-            <a:tailEnd type="triangle"/>
-          </a:ln>
-        </p:spPr>
-        <p:style>
-          <a:lnRef idx="1">
-            <a:schemeClr val="accent1"/>
-          </a:lnRef>
-          <a:fillRef idx="0">
-            <a:schemeClr val="accent1"/>
-          </a:fillRef>
-          <a:effectRef idx="0">
-            <a:schemeClr val="accent1"/>
-          </a:effectRef>
-          <a:fontRef idx="minor">
-            <a:schemeClr val="tx1"/>
-          </a:fontRef>
-        </p:style>
-      </p:cxnSp>
+            </a:fontRef>
+          </p:style>
+        </p:cxnSp>
+      </p:grpSp>
     </p:spTree>
     <p:extLst>
       <p:ext uri="{BB962C8B-B14F-4D97-AF65-F5344CB8AC3E}">
